--- a/image/MixIT - Agilité.pptx
+++ b/image/MixIT - Agilité.pptx
@@ -5,16 +5,11 @@
     <p:sldMasterId id="2147483660" r:id="rId1"/>
   </p:sldMasterIdLst>
   <p:notesMasterIdLst>
-    <p:notesMasterId r:id="rId9"/>
+    <p:notesMasterId r:id="rId4"/>
   </p:notesMasterIdLst>
   <p:sldIdLst>
     <p:sldId id="257" r:id="rId2"/>
-    <p:sldId id="259" r:id="rId3"/>
-    <p:sldId id="297" r:id="rId4"/>
-    <p:sldId id="258" r:id="rId5"/>
-    <p:sldId id="298" r:id="rId6"/>
-    <p:sldId id="299" r:id="rId7"/>
-    <p:sldId id="300" r:id="rId8"/>
+    <p:sldId id="297" r:id="rId3"/>
   </p:sldIdLst>
   <p:sldSz cx="9144000" cy="6858000" type="screen4x3"/>
   <p:notesSz cx="6858000" cy="9144000"/>
@@ -115,7 +110,7 @@
   </p:defaultTextStyle>
   <p:extLst>
     <p:ext uri="{EFAFB233-063F-42B5-8137-9DF3F51BA10A}">
-      <p15:sldGuideLst xmlns:p15="http://schemas.microsoft.com/office/powerpoint/2012/main" xmlns="">
+      <p15:sldGuideLst xmlns="" xmlns:p15="http://schemas.microsoft.com/office/powerpoint/2012/main">
         <p15:guide id="1" orient="horz" pos="2160">
           <p15:clr>
             <a:srgbClr val="A4A3A4"/>
@@ -215,7 +210,7 @@
             <a:fld id="{7CC9B882-79B7-4AE8-A359-516D41855125}" type="datetimeFigureOut">
               <a:rPr lang="fr-FR" smtClean="0"/>
               <a:pPr/>
-              <a:t>05/06/2013</a:t>
+              <a:t>16/12/2013</a:t>
             </a:fld>
             <a:endParaRPr lang="fr-FR"/>
           </a:p>
@@ -386,7 +381,7 @@
     </p:spTree>
     <p:extLst>
       <p:ext uri="{BB962C8B-B14F-4D97-AF65-F5344CB8AC3E}">
-        <p14:creationId xmlns:p14="http://schemas.microsoft.com/office/powerpoint/2010/main" xmlns="" val="2353686051"/>
+        <p14:creationId xmlns="" xmlns:p14="http://schemas.microsoft.com/office/powerpoint/2010/main" val="2353686051"/>
       </p:ext>
     </p:extLst>
   </p:cSld>
@@ -571,2439 +566,7 @@
     </p:spTree>
     <p:extLst>
       <p:ext uri="{BB962C8B-B14F-4D97-AF65-F5344CB8AC3E}">
-        <p14:creationId xmlns:p14="http://schemas.microsoft.com/office/powerpoint/2010/main" xmlns="" val="3359019707"/>
-      </p:ext>
-    </p:extLst>
-  </p:cSld>
-  <p:clrMapOvr>
-    <a:masterClrMapping/>
-  </p:clrMapOvr>
-</p:notes>
-</file>
-
-<file path=ppt/notesSlides/notesSlide2.xml><?xml version="1.0" encoding="utf-8"?>
-<p:notes xmlns:a="http://schemas.openxmlformats.org/drawingml/2006/main" xmlns:r="http://schemas.openxmlformats.org/officeDocument/2006/relationships" xmlns:p="http://schemas.openxmlformats.org/presentationml/2006/main">
-  <p:cSld>
-    <p:spTree>
-      <p:nvGrpSpPr>
-        <p:cNvPr id="1" name=""/>
-        <p:cNvGrpSpPr/>
-        <p:nvPr/>
-      </p:nvGrpSpPr>
-      <p:grpSpPr>
-        <a:xfrm>
-          <a:off x="0" y="0"/>
-          <a:ext cx="0" cy="0"/>
-          <a:chOff x="0" y="0"/>
-          <a:chExt cx="0" cy="0"/>
-        </a:xfrm>
-      </p:grpSpPr>
-      <p:sp>
-        <p:nvSpPr>
-          <p:cNvPr id="2" name="Slide Image Placeholder 1"/>
-          <p:cNvSpPr>
-            <a:spLocks noGrp="1" noRot="1" noChangeAspect="1"/>
-          </p:cNvSpPr>
-          <p:nvPr>
-            <p:ph type="sldImg"/>
-          </p:nvPr>
-        </p:nvSpPr>
-        <p:spPr/>
-      </p:sp>
-      <p:sp>
-        <p:nvSpPr>
-          <p:cNvPr id="3" name="Notes Placeholder 2"/>
-          <p:cNvSpPr>
-            <a:spLocks noGrp="1"/>
-          </p:cNvSpPr>
-          <p:nvPr>
-            <p:ph type="body" idx="1"/>
-          </p:nvPr>
-        </p:nvSpPr>
-        <p:spPr/>
-        <p:txBody>
-          <a:bodyPr/>
-          <a:lstStyle/>
-          <a:p>
-            <a:r>
-              <a:rPr lang="fr-FR" sz="1200" b="0" i="0" kern="1200" dirty="0" smtClean="0">
-                <a:solidFill>
-                  <a:schemeClr val="tx1"/>
-                </a:solidFill>
-                <a:effectLst/>
-                <a:latin typeface="+mn-lt"/>
-                <a:ea typeface="+mn-ea"/>
-                <a:cs typeface="+mn-cs"/>
-              </a:rPr>
-              <a:t>Retour d'expérience sur le projet pilote agile de la Société générale (prestataire </a:t>
-            </a:r>
-            <a:r>
-              <a:rPr lang="fr-FR" sz="1200" b="0" i="0" kern="1200" dirty="0" err="1" smtClean="0">
-                <a:solidFill>
-                  <a:schemeClr val="tx1"/>
-                </a:solidFill>
-                <a:effectLst/>
-                <a:latin typeface="+mn-lt"/>
-                <a:ea typeface="+mn-ea"/>
-                <a:cs typeface="+mn-cs"/>
-              </a:rPr>
-              <a:t>Xebia</a:t>
-            </a:r>
-            <a:r>
-              <a:rPr lang="fr-FR" sz="1200" b="0" i="0" kern="1200" dirty="0" smtClean="0">
-                <a:solidFill>
-                  <a:schemeClr val="tx1"/>
-                </a:solidFill>
-                <a:effectLst/>
-                <a:latin typeface="+mn-lt"/>
-                <a:ea typeface="+mn-ea"/>
-                <a:cs typeface="+mn-cs"/>
-              </a:rPr>
-              <a:t>).</a:t>
-            </a:r>
-          </a:p>
-          <a:p>
-            <a:pPr marL="171450" indent="-171450">
-              <a:buFontTx/>
-              <a:buChar char="-"/>
-            </a:pPr>
-            <a:r>
-              <a:rPr lang="fr-FR" sz="1200" b="0" i="0" kern="1200" dirty="0" smtClean="0">
-                <a:solidFill>
-                  <a:schemeClr val="tx1"/>
-                </a:solidFill>
-                <a:effectLst/>
-                <a:latin typeface="+mn-lt"/>
-                <a:ea typeface="+mn-ea"/>
-                <a:cs typeface="+mn-cs"/>
-              </a:rPr>
-              <a:t>Les post </a:t>
-            </a:r>
-            <a:r>
-              <a:rPr lang="fr-FR" sz="1200" b="0" i="0" kern="1200" dirty="0" err="1" smtClean="0">
-                <a:solidFill>
-                  <a:schemeClr val="tx1"/>
-                </a:solidFill>
-                <a:effectLst/>
-                <a:latin typeface="+mn-lt"/>
-                <a:ea typeface="+mn-ea"/>
-                <a:cs typeface="+mn-cs"/>
-              </a:rPr>
-              <a:t>it</a:t>
-            </a:r>
-            <a:r>
-              <a:rPr lang="fr-FR" sz="1200" b="0" i="0" kern="1200" dirty="0" smtClean="0">
-                <a:solidFill>
-                  <a:schemeClr val="tx1"/>
-                </a:solidFill>
-                <a:effectLst/>
-                <a:latin typeface="+mn-lt"/>
-                <a:ea typeface="+mn-ea"/>
-                <a:cs typeface="+mn-cs"/>
-              </a:rPr>
-              <a:t> de stories faisaient des </a:t>
-            </a:r>
-            <a:r>
-              <a:rPr lang="fr-FR" sz="1200" b="0" i="0" kern="1200" dirty="0" err="1" smtClean="0">
-                <a:solidFill>
-                  <a:schemeClr val="tx1"/>
-                </a:solidFill>
-                <a:effectLst/>
-                <a:latin typeface="+mn-lt"/>
-                <a:ea typeface="+mn-ea"/>
-                <a:cs typeface="+mn-cs"/>
-              </a:rPr>
-              <a:t>aller-retours</a:t>
-            </a:r>
-            <a:r>
-              <a:rPr lang="fr-FR" sz="1200" b="0" i="0" kern="1200" dirty="0" smtClean="0">
-                <a:solidFill>
-                  <a:schemeClr val="tx1"/>
-                </a:solidFill>
-                <a:effectLst/>
-                <a:latin typeface="+mn-lt"/>
-                <a:ea typeface="+mn-ea"/>
-                <a:cs typeface="+mn-cs"/>
-              </a:rPr>
-              <a:t> entre la colonne </a:t>
-            </a:r>
-            <a:r>
-              <a:rPr lang="fr-FR" sz="1200" b="0" i="0" kern="1200" dirty="0" err="1" smtClean="0">
-                <a:solidFill>
-                  <a:schemeClr val="tx1"/>
-                </a:solidFill>
-                <a:effectLst/>
-                <a:latin typeface="+mn-lt"/>
-                <a:ea typeface="+mn-ea"/>
-                <a:cs typeface="+mn-cs"/>
-              </a:rPr>
-              <a:t>todo</a:t>
-            </a:r>
-            <a:r>
-              <a:rPr lang="fr-FR" sz="1200" b="0" i="0" kern="1200" dirty="0" smtClean="0">
-                <a:solidFill>
-                  <a:schemeClr val="tx1"/>
-                </a:solidFill>
-                <a:effectLst/>
-                <a:latin typeface="+mn-lt"/>
-                <a:ea typeface="+mn-ea"/>
-                <a:cs typeface="+mn-cs"/>
-              </a:rPr>
-              <a:t> et la colonne </a:t>
-            </a:r>
-            <a:r>
-              <a:rPr lang="fr-FR" sz="1200" b="0" i="0" kern="1200" dirty="0" err="1" smtClean="0">
-                <a:solidFill>
-                  <a:schemeClr val="tx1"/>
-                </a:solidFill>
-                <a:effectLst/>
-                <a:latin typeface="+mn-lt"/>
-                <a:ea typeface="+mn-ea"/>
-                <a:cs typeface="+mn-cs"/>
-              </a:rPr>
-              <a:t>review</a:t>
-            </a:r>
-            <a:r>
-              <a:rPr lang="fr-FR" sz="1200" b="0" i="0" kern="1200" dirty="0" smtClean="0">
-                <a:solidFill>
-                  <a:schemeClr val="tx1"/>
-                </a:solidFill>
-                <a:effectLst/>
-                <a:latin typeface="+mn-lt"/>
-                <a:ea typeface="+mn-ea"/>
-                <a:cs typeface="+mn-cs"/>
-              </a:rPr>
-              <a:t> lors de la correction de bugs. Ainsi les tâches n'étaient pas visibles et le </a:t>
-            </a:r>
-            <a:r>
-              <a:rPr lang="fr-FR" sz="1200" b="0" i="0" kern="1200" dirty="0" err="1" smtClean="0">
-                <a:solidFill>
-                  <a:schemeClr val="tx1"/>
-                </a:solidFill>
-                <a:effectLst/>
-                <a:latin typeface="+mn-lt"/>
-                <a:ea typeface="+mn-ea"/>
-                <a:cs typeface="+mn-cs"/>
-              </a:rPr>
-              <a:t>board</a:t>
-            </a:r>
-            <a:r>
-              <a:rPr lang="fr-FR" sz="1200" b="0" i="0" kern="1200" dirty="0" smtClean="0">
-                <a:solidFill>
-                  <a:schemeClr val="tx1"/>
-                </a:solidFill>
-                <a:effectLst/>
-                <a:latin typeface="+mn-lt"/>
-                <a:ea typeface="+mn-ea"/>
-                <a:cs typeface="+mn-cs"/>
-              </a:rPr>
-              <a:t> donnait l'impression de ne pas avancer. Solution : nouvelles couleurs de </a:t>
-            </a:r>
-            <a:r>
-              <a:rPr lang="fr-FR" sz="1200" b="0" i="0" kern="1200" dirty="0" err="1" smtClean="0">
-                <a:solidFill>
-                  <a:schemeClr val="tx1"/>
-                </a:solidFill>
-                <a:effectLst/>
-                <a:latin typeface="+mn-lt"/>
-                <a:ea typeface="+mn-ea"/>
-                <a:cs typeface="+mn-cs"/>
-              </a:rPr>
-              <a:t>postit</a:t>
-            </a:r>
-            <a:r>
-              <a:rPr lang="fr-FR" sz="1200" b="0" i="0" kern="1200" dirty="0" smtClean="0">
-                <a:solidFill>
-                  <a:schemeClr val="tx1"/>
-                </a:solidFill>
-                <a:effectLst/>
-                <a:latin typeface="+mn-lt"/>
-                <a:ea typeface="+mn-ea"/>
-                <a:cs typeface="+mn-cs"/>
-              </a:rPr>
-              <a:t> pour les taches de </a:t>
-            </a:r>
-            <a:r>
-              <a:rPr lang="fr-FR" sz="1200" b="0" i="0" kern="1200" dirty="0" err="1" smtClean="0">
-                <a:solidFill>
-                  <a:schemeClr val="tx1"/>
-                </a:solidFill>
-                <a:effectLst/>
-                <a:latin typeface="+mn-lt"/>
-                <a:ea typeface="+mn-ea"/>
-                <a:cs typeface="+mn-cs"/>
-              </a:rPr>
-              <a:t>review</a:t>
-            </a:r>
-            <a:r>
-              <a:rPr lang="fr-FR" sz="1200" b="0" i="0" kern="1200" dirty="0" smtClean="0">
-                <a:solidFill>
-                  <a:schemeClr val="tx1"/>
-                </a:solidFill>
-                <a:effectLst/>
-                <a:latin typeface="+mn-lt"/>
-                <a:ea typeface="+mn-ea"/>
-                <a:cs typeface="+mn-cs"/>
-              </a:rPr>
-              <a:t> et pour les nouvelles taches, au sein du </a:t>
-            </a:r>
-            <a:r>
-              <a:rPr lang="fr-FR" sz="1200" b="0" i="0" kern="1200" dirty="0" err="1" smtClean="0">
-                <a:solidFill>
-                  <a:schemeClr val="tx1"/>
-                </a:solidFill>
-                <a:effectLst/>
-                <a:latin typeface="+mn-lt"/>
-                <a:ea typeface="+mn-ea"/>
-                <a:cs typeface="+mn-cs"/>
-              </a:rPr>
-              <a:t>run</a:t>
-            </a:r>
-            <a:r>
-              <a:rPr lang="fr-FR" sz="1200" b="0" i="0" kern="1200" dirty="0" smtClean="0">
-                <a:solidFill>
-                  <a:schemeClr val="tx1"/>
-                </a:solidFill>
-                <a:effectLst/>
-                <a:latin typeface="+mn-lt"/>
-                <a:ea typeface="+mn-ea"/>
-                <a:cs typeface="+mn-cs"/>
-              </a:rPr>
-              <a:t>.</a:t>
-            </a:r>
-          </a:p>
-          <a:p>
-            <a:pPr marL="171450" indent="-171450">
-              <a:buFontTx/>
-              <a:buChar char="-"/>
-            </a:pPr>
-            <a:r>
-              <a:rPr lang="fr-FR" sz="1200" b="0" i="0" kern="1200" dirty="0" smtClean="0">
-                <a:solidFill>
-                  <a:schemeClr val="tx1"/>
-                </a:solidFill>
-                <a:effectLst/>
-                <a:latin typeface="+mn-lt"/>
-                <a:ea typeface="+mn-ea"/>
-                <a:cs typeface="+mn-cs"/>
-              </a:rPr>
-              <a:t>Les </a:t>
-            </a:r>
-            <a:r>
-              <a:rPr lang="fr-FR" sz="1200" b="0" i="0" kern="1200" dirty="0" err="1" smtClean="0">
-                <a:solidFill>
-                  <a:schemeClr val="tx1"/>
-                </a:solidFill>
-                <a:effectLst/>
-                <a:latin typeface="+mn-lt"/>
-                <a:ea typeface="+mn-ea"/>
-                <a:cs typeface="+mn-cs"/>
-              </a:rPr>
-              <a:t>burn</a:t>
-            </a:r>
-            <a:r>
-              <a:rPr lang="fr-FR" sz="1200" b="0" i="0" kern="1200" dirty="0" smtClean="0">
-                <a:solidFill>
-                  <a:schemeClr val="tx1"/>
-                </a:solidFill>
-                <a:effectLst/>
-                <a:latin typeface="+mn-lt"/>
-                <a:ea typeface="+mn-ea"/>
-                <a:cs typeface="+mn-cs"/>
-              </a:rPr>
-              <a:t> down ne se terminent jamais. Solution : </a:t>
-            </a:r>
-            <a:r>
-              <a:rPr lang="fr-FR" sz="1200" b="0" i="0" kern="1200" dirty="0" err="1" smtClean="0">
-                <a:solidFill>
-                  <a:schemeClr val="tx1"/>
-                </a:solidFill>
-                <a:effectLst/>
-                <a:latin typeface="+mn-lt"/>
-                <a:ea typeface="+mn-ea"/>
-                <a:cs typeface="+mn-cs"/>
-              </a:rPr>
-              <a:t>burn</a:t>
-            </a:r>
-            <a:r>
-              <a:rPr lang="fr-FR" sz="1200" b="0" i="0" kern="1200" dirty="0" smtClean="0">
-                <a:solidFill>
-                  <a:schemeClr val="tx1"/>
-                </a:solidFill>
-                <a:effectLst/>
-                <a:latin typeface="+mn-lt"/>
-                <a:ea typeface="+mn-ea"/>
-                <a:cs typeface="+mn-cs"/>
-              </a:rPr>
-              <a:t> up, prendre le problème dans l'autre sens en affichant le réalisé. Ajout de taches et de support aux user stories.</a:t>
-            </a:r>
-          </a:p>
-          <a:p>
-            <a:pPr marL="171450" indent="-171450">
-              <a:buFontTx/>
-              <a:buChar char="-"/>
-            </a:pPr>
-            <a:r>
-              <a:rPr lang="fr-FR" sz="1200" b="0" i="0" kern="1200" dirty="0" smtClean="0">
-                <a:solidFill>
-                  <a:schemeClr val="tx1"/>
-                </a:solidFill>
-                <a:effectLst/>
-                <a:latin typeface="+mn-lt"/>
-                <a:ea typeface="+mn-ea"/>
-                <a:cs typeface="+mn-cs"/>
-              </a:rPr>
-              <a:t>Stories</a:t>
-            </a:r>
-            <a:r>
-              <a:rPr lang="fr-FR" sz="1200" b="0" i="0" kern="1200" baseline="0" dirty="0" smtClean="0">
-                <a:solidFill>
-                  <a:schemeClr val="tx1"/>
-                </a:solidFill>
-                <a:effectLst/>
-                <a:latin typeface="+mn-lt"/>
-                <a:ea typeface="+mn-ea"/>
-                <a:cs typeface="+mn-cs"/>
-              </a:rPr>
-              <a:t> </a:t>
-            </a:r>
-            <a:r>
-              <a:rPr lang="fr-FR" sz="1200" b="0" i="0" kern="1200" dirty="0" smtClean="0">
-                <a:solidFill>
-                  <a:schemeClr val="tx1"/>
-                </a:solidFill>
-                <a:effectLst/>
-                <a:latin typeface="+mn-lt"/>
-                <a:ea typeface="+mn-ea"/>
-                <a:cs typeface="+mn-cs"/>
-              </a:rPr>
-              <a:t>ne sont pas terminées dans le sprint et sont reprise dans le suivant. Cela entraine un sentiment d'échec dans l'équipe. Indicateur de vélocité en dents de scie. Solution : redécoupage des stories en cours de sprint. Les indicateurs sont plus représentatifs.</a:t>
-            </a:r>
-          </a:p>
-          <a:p>
-            <a:pPr marL="171450" indent="-171450">
-              <a:buFontTx/>
-              <a:buChar char="-"/>
-            </a:pPr>
-            <a:r>
-              <a:rPr lang="fr-FR" sz="1200" b="0" i="0" kern="1200" dirty="0" smtClean="0">
-                <a:solidFill>
-                  <a:schemeClr val="tx1"/>
-                </a:solidFill>
-                <a:effectLst/>
-                <a:latin typeface="+mn-lt"/>
-                <a:ea typeface="+mn-ea"/>
-                <a:cs typeface="+mn-cs"/>
-              </a:rPr>
-              <a:t>Les réunions pour élaborer le planning</a:t>
-            </a:r>
-            <a:r>
-              <a:rPr lang="fr-FR" sz="1200" b="0" i="0" kern="1200" baseline="0" dirty="0" smtClean="0">
-                <a:solidFill>
-                  <a:schemeClr val="tx1"/>
-                </a:solidFill>
-                <a:effectLst/>
-                <a:latin typeface="+mn-lt"/>
-                <a:ea typeface="+mn-ea"/>
-                <a:cs typeface="+mn-cs"/>
-              </a:rPr>
-              <a:t> </a:t>
-            </a:r>
-            <a:r>
-              <a:rPr lang="fr-FR" sz="1200" b="0" i="0" kern="1200" dirty="0" smtClean="0">
-                <a:solidFill>
-                  <a:schemeClr val="tx1"/>
-                </a:solidFill>
-                <a:effectLst/>
-                <a:latin typeface="+mn-lt"/>
-                <a:ea typeface="+mn-ea"/>
-                <a:cs typeface="+mn-cs"/>
-              </a:rPr>
-              <a:t>duraient 3h. Frustration de l'équipe. Solution : planning à la demande, estimation à la volée. Aucun engagement. Ajout d'une couleur de post </a:t>
-            </a:r>
-            <a:r>
-              <a:rPr lang="fr-FR" sz="1200" b="0" i="0" kern="1200" dirty="0" err="1" smtClean="0">
-                <a:solidFill>
-                  <a:schemeClr val="tx1"/>
-                </a:solidFill>
-                <a:effectLst/>
-                <a:latin typeface="+mn-lt"/>
-                <a:ea typeface="+mn-ea"/>
-                <a:cs typeface="+mn-cs"/>
-              </a:rPr>
-              <a:t>it</a:t>
-            </a:r>
-            <a:r>
-              <a:rPr lang="fr-FR" sz="1200" b="0" i="0" kern="1200" dirty="0" smtClean="0">
-                <a:solidFill>
-                  <a:schemeClr val="tx1"/>
-                </a:solidFill>
-                <a:effectLst/>
-                <a:latin typeface="+mn-lt"/>
-                <a:ea typeface="+mn-ea"/>
-                <a:cs typeface="+mn-cs"/>
-              </a:rPr>
-              <a:t> pour les tâche liée à la </a:t>
-            </a:r>
-            <a:r>
-              <a:rPr lang="fr-FR" sz="1200" b="0" i="0" kern="1200" dirty="0" err="1" smtClean="0">
-                <a:solidFill>
-                  <a:schemeClr val="tx1"/>
-                </a:solidFill>
-                <a:effectLst/>
-                <a:latin typeface="+mn-lt"/>
-                <a:ea typeface="+mn-ea"/>
-                <a:cs typeface="+mn-cs"/>
-              </a:rPr>
-              <a:t>prod</a:t>
-            </a:r>
-            <a:r>
-              <a:rPr lang="fr-FR" sz="1200" b="0" i="0" kern="1200" dirty="0" smtClean="0">
-                <a:solidFill>
-                  <a:schemeClr val="tx1"/>
-                </a:solidFill>
-                <a:effectLst/>
-                <a:latin typeface="+mn-lt"/>
-                <a:ea typeface="+mn-ea"/>
-                <a:cs typeface="+mn-cs"/>
-              </a:rPr>
-              <a:t> : </a:t>
-            </a:r>
-            <a:r>
-              <a:rPr lang="fr-FR" sz="1200" b="0" i="0" kern="1200" dirty="0" err="1" smtClean="0">
-                <a:solidFill>
-                  <a:schemeClr val="tx1"/>
-                </a:solidFill>
-                <a:effectLst/>
-                <a:latin typeface="+mn-lt"/>
-                <a:ea typeface="+mn-ea"/>
-                <a:cs typeface="+mn-cs"/>
-              </a:rPr>
-              <a:t>fast</a:t>
-            </a:r>
-            <a:r>
-              <a:rPr lang="fr-FR" sz="1200" b="0" i="0" kern="1200" dirty="0" smtClean="0">
-                <a:solidFill>
-                  <a:schemeClr val="tx1"/>
-                </a:solidFill>
-                <a:effectLst/>
-                <a:latin typeface="+mn-lt"/>
-                <a:ea typeface="+mn-ea"/>
-                <a:cs typeface="+mn-cs"/>
-              </a:rPr>
-              <a:t> </a:t>
-            </a:r>
-            <a:r>
-              <a:rPr lang="fr-FR" sz="1200" b="0" i="0" kern="1200" dirty="0" err="1" smtClean="0">
-                <a:solidFill>
-                  <a:schemeClr val="tx1"/>
-                </a:solidFill>
-                <a:effectLst/>
-                <a:latin typeface="+mn-lt"/>
-                <a:ea typeface="+mn-ea"/>
-                <a:cs typeface="+mn-cs"/>
-              </a:rPr>
-              <a:t>lane</a:t>
-            </a:r>
-            <a:r>
-              <a:rPr lang="fr-FR" sz="1200" b="0" i="0" kern="1200" dirty="0" smtClean="0">
-                <a:solidFill>
-                  <a:schemeClr val="tx1"/>
-                </a:solidFill>
-                <a:effectLst/>
-                <a:latin typeface="+mn-lt"/>
-                <a:ea typeface="+mn-ea"/>
-                <a:cs typeface="+mn-cs"/>
-              </a:rPr>
-              <a:t>.</a:t>
-            </a:r>
-            <a:endParaRPr lang="fr-FR" dirty="0"/>
-          </a:p>
-        </p:txBody>
-      </p:sp>
-      <p:sp>
-        <p:nvSpPr>
-          <p:cNvPr id="4" name="Slide Number Placeholder 3"/>
-          <p:cNvSpPr>
-            <a:spLocks noGrp="1"/>
-          </p:cNvSpPr>
-          <p:nvPr>
-            <p:ph type="sldNum" sz="quarter" idx="10"/>
-          </p:nvPr>
-        </p:nvSpPr>
-        <p:spPr/>
-        <p:txBody>
-          <a:bodyPr/>
-          <a:lstStyle/>
-          <a:p>
-            <a:fld id="{4F8EF9A7-8DFE-4841-9F7F-6264B950D76E}" type="slidenum">
-              <a:rPr lang="fr-FR" smtClean="0"/>
-              <a:pPr/>
-              <a:t>4</a:t>
-            </a:fld>
-            <a:endParaRPr lang="fr-FR"/>
-          </a:p>
-        </p:txBody>
-      </p:sp>
-    </p:spTree>
-    <p:extLst>
-      <p:ext uri="{BB962C8B-B14F-4D97-AF65-F5344CB8AC3E}">
-        <p14:creationId xmlns:p14="http://schemas.microsoft.com/office/powerpoint/2010/main" xmlns="" val="3916285025"/>
-      </p:ext>
-    </p:extLst>
-  </p:cSld>
-  <p:clrMapOvr>
-    <a:masterClrMapping/>
-  </p:clrMapOvr>
-</p:notes>
-</file>
-
-<file path=ppt/notesSlides/notesSlide3.xml><?xml version="1.0" encoding="utf-8"?>
-<p:notes xmlns:a="http://schemas.openxmlformats.org/drawingml/2006/main" xmlns:r="http://schemas.openxmlformats.org/officeDocument/2006/relationships" xmlns:p="http://schemas.openxmlformats.org/presentationml/2006/main">
-  <p:cSld>
-    <p:spTree>
-      <p:nvGrpSpPr>
-        <p:cNvPr id="1" name=""/>
-        <p:cNvGrpSpPr/>
-        <p:nvPr/>
-      </p:nvGrpSpPr>
-      <p:grpSpPr>
-        <a:xfrm>
-          <a:off x="0" y="0"/>
-          <a:ext cx="0" cy="0"/>
-          <a:chOff x="0" y="0"/>
-          <a:chExt cx="0" cy="0"/>
-        </a:xfrm>
-      </p:grpSpPr>
-      <p:sp>
-        <p:nvSpPr>
-          <p:cNvPr id="2" name="Slide Image Placeholder 1"/>
-          <p:cNvSpPr>
-            <a:spLocks noGrp="1" noRot="1" noChangeAspect="1"/>
-          </p:cNvSpPr>
-          <p:nvPr>
-            <p:ph type="sldImg"/>
-          </p:nvPr>
-        </p:nvSpPr>
-        <p:spPr/>
-      </p:sp>
-      <p:sp>
-        <p:nvSpPr>
-          <p:cNvPr id="3" name="Notes Placeholder 2"/>
-          <p:cNvSpPr>
-            <a:spLocks noGrp="1"/>
-          </p:cNvSpPr>
-          <p:nvPr>
-            <p:ph type="body" idx="1"/>
-          </p:nvPr>
-        </p:nvSpPr>
-        <p:spPr/>
-        <p:txBody>
-          <a:bodyPr/>
-          <a:lstStyle/>
-          <a:p>
-            <a:pPr marL="171450" indent="-171450">
-              <a:buFontTx/>
-              <a:buChar char="-"/>
-            </a:pPr>
-            <a:r>
-              <a:rPr lang="fr-FR" sz="1200" b="0" i="0" kern="1200" dirty="0" smtClean="0">
-                <a:solidFill>
-                  <a:schemeClr val="tx1"/>
-                </a:solidFill>
-                <a:effectLst/>
-                <a:latin typeface="+mn-lt"/>
-                <a:ea typeface="+mn-ea"/>
-                <a:cs typeface="+mn-cs"/>
-              </a:rPr>
-              <a:t>Trop de </a:t>
-            </a:r>
-            <a:r>
-              <a:rPr lang="fr-FR" sz="1200" b="0" i="0" kern="1200" dirty="0" err="1" smtClean="0">
-                <a:solidFill>
-                  <a:schemeClr val="tx1"/>
-                </a:solidFill>
-                <a:effectLst/>
-                <a:latin typeface="+mn-lt"/>
-                <a:ea typeface="+mn-ea"/>
-                <a:cs typeface="+mn-cs"/>
-              </a:rPr>
-              <a:t>review</a:t>
-            </a:r>
-            <a:r>
-              <a:rPr lang="fr-FR" sz="1200" b="0" i="0" kern="1200" dirty="0" smtClean="0">
-                <a:solidFill>
-                  <a:schemeClr val="tx1"/>
-                </a:solidFill>
-                <a:effectLst/>
-                <a:latin typeface="+mn-lt"/>
-                <a:ea typeface="+mn-ea"/>
-                <a:cs typeface="+mn-cs"/>
-              </a:rPr>
-              <a:t>.  </a:t>
-            </a:r>
-            <a:r>
-              <a:rPr lang="fr-FR" sz="1200" b="0" i="0" kern="1200" dirty="0" err="1" smtClean="0">
-                <a:solidFill>
-                  <a:schemeClr val="tx1"/>
-                </a:solidFill>
-                <a:effectLst/>
-                <a:latin typeface="+mn-lt"/>
-                <a:ea typeface="+mn-ea"/>
-                <a:cs typeface="+mn-cs"/>
-              </a:rPr>
-              <a:t>Rework</a:t>
-            </a:r>
-            <a:r>
-              <a:rPr lang="fr-FR" sz="1200" b="0" i="0" kern="1200" dirty="0" smtClean="0">
-                <a:solidFill>
-                  <a:schemeClr val="tx1"/>
-                </a:solidFill>
-                <a:effectLst/>
-                <a:latin typeface="+mn-lt"/>
-                <a:ea typeface="+mn-ea"/>
-                <a:cs typeface="+mn-cs"/>
-              </a:rPr>
-              <a:t> après validation du PO, suite aux revues de code. Solution : Faire les tâches à 2 (expérimenté/junior)  en variant les </a:t>
-            </a:r>
-            <a:r>
-              <a:rPr lang="fr-FR" sz="1200" b="0" i="0" kern="1200" dirty="0" err="1" smtClean="0">
-                <a:solidFill>
-                  <a:schemeClr val="tx1"/>
-                </a:solidFill>
-                <a:effectLst/>
-                <a:latin typeface="+mn-lt"/>
-                <a:ea typeface="+mn-ea"/>
-                <a:cs typeface="+mn-cs"/>
-              </a:rPr>
-              <a:t>binomes</a:t>
-            </a:r>
-            <a:r>
-              <a:rPr lang="fr-FR" sz="1200" b="0" i="0" kern="1200" dirty="0" smtClean="0">
-                <a:solidFill>
-                  <a:schemeClr val="tx1"/>
-                </a:solidFill>
-                <a:effectLst/>
-                <a:latin typeface="+mn-lt"/>
-                <a:ea typeface="+mn-ea"/>
-                <a:cs typeface="+mn-cs"/>
-              </a:rPr>
-              <a:t>. Le </a:t>
-            </a:r>
-            <a:r>
-              <a:rPr lang="fr-FR" sz="1200" b="0" i="0" kern="1200" dirty="0" err="1" smtClean="0">
-                <a:solidFill>
-                  <a:schemeClr val="tx1"/>
-                </a:solidFill>
-                <a:effectLst/>
-                <a:latin typeface="+mn-lt"/>
-                <a:ea typeface="+mn-ea"/>
-                <a:cs typeface="+mn-cs"/>
-              </a:rPr>
-              <a:t>Work</a:t>
-            </a:r>
-            <a:r>
-              <a:rPr lang="fr-FR" sz="1200" b="0" i="0" kern="1200" dirty="0" smtClean="0">
-                <a:solidFill>
-                  <a:schemeClr val="tx1"/>
-                </a:solidFill>
-                <a:effectLst/>
-                <a:latin typeface="+mn-lt"/>
-                <a:ea typeface="+mn-ea"/>
-                <a:cs typeface="+mn-cs"/>
-              </a:rPr>
-              <a:t> in </a:t>
-            </a:r>
-            <a:r>
-              <a:rPr lang="fr-FR" sz="1200" b="0" i="0" kern="1200" dirty="0" err="1" smtClean="0">
-                <a:solidFill>
-                  <a:schemeClr val="tx1"/>
-                </a:solidFill>
-                <a:effectLst/>
-                <a:latin typeface="+mn-lt"/>
-                <a:ea typeface="+mn-ea"/>
-                <a:cs typeface="+mn-cs"/>
-              </a:rPr>
-              <a:t>progress</a:t>
-            </a:r>
-            <a:r>
-              <a:rPr lang="fr-FR" sz="1200" b="0" i="0" kern="1200" dirty="0" smtClean="0">
-                <a:solidFill>
-                  <a:schemeClr val="tx1"/>
-                </a:solidFill>
-                <a:effectLst/>
-                <a:latin typeface="+mn-lt"/>
-                <a:ea typeface="+mn-ea"/>
-                <a:cs typeface="+mn-cs"/>
-              </a:rPr>
-              <a:t> est divisé par 2. </a:t>
-            </a:r>
-          </a:p>
-          <a:p>
-            <a:pPr marL="171450" indent="-171450">
-              <a:buFontTx/>
-              <a:buChar char="-"/>
-            </a:pPr>
-            <a:r>
-              <a:rPr lang="fr-FR" sz="1200" b="0" i="0" kern="1200" dirty="0" smtClean="0">
-                <a:solidFill>
-                  <a:schemeClr val="tx1"/>
-                </a:solidFill>
-                <a:effectLst/>
-                <a:latin typeface="+mn-lt"/>
-                <a:ea typeface="+mn-ea"/>
-                <a:cs typeface="+mn-cs"/>
-              </a:rPr>
-              <a:t>Dette technique. Naturelle et intentionnelle. </a:t>
-            </a:r>
-            <a:r>
-              <a:rPr lang="fr-FR" sz="1200" b="0" i="0" kern="1200" dirty="0" err="1" smtClean="0">
-                <a:solidFill>
-                  <a:schemeClr val="tx1"/>
-                </a:solidFill>
-                <a:effectLst/>
-                <a:latin typeface="+mn-lt"/>
-                <a:ea typeface="+mn-ea"/>
-                <a:cs typeface="+mn-cs"/>
-              </a:rPr>
-              <a:t>Refactoring</a:t>
-            </a:r>
-            <a:r>
-              <a:rPr lang="fr-FR" sz="1200" b="0" i="0" kern="1200" dirty="0" smtClean="0">
-                <a:solidFill>
-                  <a:schemeClr val="tx1"/>
-                </a:solidFill>
-                <a:effectLst/>
-                <a:latin typeface="+mn-lt"/>
-                <a:ea typeface="+mn-ea"/>
-                <a:cs typeface="+mn-cs"/>
-              </a:rPr>
-              <a:t> non maitrisé. Solution : bonnes pratiques et création de stories techniques à insérer dans le prochain sprint.</a:t>
-            </a:r>
-          </a:p>
-          <a:p>
-            <a:pPr marL="171450" indent="-171450">
-              <a:buFontTx/>
-              <a:buChar char="-"/>
-            </a:pPr>
-            <a:r>
-              <a:rPr lang="fr-FR" sz="1200" b="0" i="0" kern="1200" dirty="0" smtClean="0">
-                <a:solidFill>
-                  <a:schemeClr val="tx1"/>
-                </a:solidFill>
-                <a:effectLst/>
-                <a:latin typeface="+mn-lt"/>
-                <a:ea typeface="+mn-ea"/>
-                <a:cs typeface="+mn-cs"/>
-              </a:rPr>
-              <a:t>Problèmes de com. Nombreux aller retours avec le </a:t>
-            </a:r>
-            <a:r>
-              <a:rPr lang="fr-FR" sz="1200" b="0" i="0" kern="1200" dirty="0" err="1" smtClean="0">
-                <a:solidFill>
-                  <a:schemeClr val="tx1"/>
-                </a:solidFill>
-                <a:effectLst/>
-                <a:latin typeface="+mn-lt"/>
-                <a:ea typeface="+mn-ea"/>
-                <a:cs typeface="+mn-cs"/>
-              </a:rPr>
-              <a:t>product</a:t>
-            </a:r>
-            <a:r>
-              <a:rPr lang="fr-FR" sz="1200" b="0" i="0" kern="1200" dirty="0" smtClean="0">
-                <a:solidFill>
-                  <a:schemeClr val="tx1"/>
-                </a:solidFill>
-                <a:effectLst/>
-                <a:latin typeface="+mn-lt"/>
-                <a:ea typeface="+mn-ea"/>
-                <a:cs typeface="+mn-cs"/>
-              </a:rPr>
-              <a:t> </a:t>
-            </a:r>
-            <a:r>
-              <a:rPr lang="fr-FR" sz="1200" b="0" i="0" kern="1200" dirty="0" err="1" smtClean="0">
-                <a:solidFill>
-                  <a:schemeClr val="tx1"/>
-                </a:solidFill>
-                <a:effectLst/>
-                <a:latin typeface="+mn-lt"/>
-                <a:ea typeface="+mn-ea"/>
-                <a:cs typeface="+mn-cs"/>
-              </a:rPr>
-              <a:t>owner</a:t>
-            </a:r>
-            <a:r>
-              <a:rPr lang="fr-FR" sz="1200" b="0" i="0" kern="1200" dirty="0" smtClean="0">
-                <a:solidFill>
-                  <a:schemeClr val="tx1"/>
-                </a:solidFill>
-                <a:effectLst/>
-                <a:latin typeface="+mn-lt"/>
-                <a:ea typeface="+mn-ea"/>
-                <a:cs typeface="+mn-cs"/>
-              </a:rPr>
-              <a:t>. Impression de ne jamais finir. Conflits dans l'équipes. Solution : démo et how to mise en commun. Validation en commun. Permet de comprendre les chemins critiques.</a:t>
-            </a:r>
-          </a:p>
-          <a:p>
-            <a:pPr marL="171450" indent="-171450">
-              <a:buFontTx/>
-              <a:buChar char="-"/>
-            </a:pPr>
-            <a:endParaRPr lang="fr-FR" sz="1200" b="0" i="0" kern="1200" dirty="0" smtClean="0">
-              <a:solidFill>
-                <a:schemeClr val="tx1"/>
-              </a:solidFill>
-              <a:effectLst/>
-              <a:latin typeface="+mn-lt"/>
-              <a:ea typeface="+mn-ea"/>
-              <a:cs typeface="+mn-cs"/>
-            </a:endParaRPr>
-          </a:p>
-          <a:p>
-            <a:r>
-              <a:rPr lang="fr-FR" sz="1200" b="0" i="0" kern="1200" dirty="0" smtClean="0">
-                <a:solidFill>
-                  <a:schemeClr val="tx1"/>
-                </a:solidFill>
-                <a:effectLst/>
-                <a:latin typeface="+mn-lt"/>
-                <a:ea typeface="+mn-ea"/>
-                <a:cs typeface="+mn-cs"/>
-              </a:rPr>
-              <a:t>Au final, ces ajustements ont permis d'améliorer la qualité et la vélocité. Livraison fréquente et régulière, avec pour objectif d'être quotidienne. Peu de support. Satisfaction du client.</a:t>
-            </a:r>
-          </a:p>
-          <a:p>
-            <a:pPr marL="171450" indent="-171450">
-              <a:buFontTx/>
-              <a:buChar char="-"/>
-            </a:pPr>
-            <a:endParaRPr lang="fr-FR" dirty="0"/>
-          </a:p>
-        </p:txBody>
-      </p:sp>
-      <p:sp>
-        <p:nvSpPr>
-          <p:cNvPr id="4" name="Slide Number Placeholder 3"/>
-          <p:cNvSpPr>
-            <a:spLocks noGrp="1"/>
-          </p:cNvSpPr>
-          <p:nvPr>
-            <p:ph type="sldNum" sz="quarter" idx="10"/>
-          </p:nvPr>
-        </p:nvSpPr>
-        <p:spPr/>
-        <p:txBody>
-          <a:bodyPr/>
-          <a:lstStyle/>
-          <a:p>
-            <a:fld id="{4F8EF9A7-8DFE-4841-9F7F-6264B950D76E}" type="slidenum">
-              <a:rPr lang="fr-FR" smtClean="0"/>
-              <a:pPr/>
-              <a:t>5</a:t>
-            </a:fld>
-            <a:endParaRPr lang="fr-FR"/>
-          </a:p>
-        </p:txBody>
-      </p:sp>
-    </p:spTree>
-    <p:extLst>
-      <p:ext uri="{BB962C8B-B14F-4D97-AF65-F5344CB8AC3E}">
-        <p14:creationId xmlns:p14="http://schemas.microsoft.com/office/powerpoint/2010/main" xmlns="" val="3869956056"/>
-      </p:ext>
-    </p:extLst>
-  </p:cSld>
-  <p:clrMapOvr>
-    <a:masterClrMapping/>
-  </p:clrMapOvr>
-</p:notes>
-</file>
-
-<file path=ppt/notesSlides/notesSlide4.xml><?xml version="1.0" encoding="utf-8"?>
-<p:notes xmlns:a="http://schemas.openxmlformats.org/drawingml/2006/main" xmlns:r="http://schemas.openxmlformats.org/officeDocument/2006/relationships" xmlns:p="http://schemas.openxmlformats.org/presentationml/2006/main">
-  <p:cSld>
-    <p:spTree>
-      <p:nvGrpSpPr>
-        <p:cNvPr id="1" name=""/>
-        <p:cNvGrpSpPr/>
-        <p:nvPr/>
-      </p:nvGrpSpPr>
-      <p:grpSpPr>
-        <a:xfrm>
-          <a:off x="0" y="0"/>
-          <a:ext cx="0" cy="0"/>
-          <a:chOff x="0" y="0"/>
-          <a:chExt cx="0" cy="0"/>
-        </a:xfrm>
-      </p:grpSpPr>
-      <p:sp>
-        <p:nvSpPr>
-          <p:cNvPr id="2" name="Slide Image Placeholder 1"/>
-          <p:cNvSpPr>
-            <a:spLocks noGrp="1" noRot="1" noChangeAspect="1"/>
-          </p:cNvSpPr>
-          <p:nvPr>
-            <p:ph type="sldImg"/>
-          </p:nvPr>
-        </p:nvSpPr>
-        <p:spPr/>
-      </p:sp>
-      <p:sp>
-        <p:nvSpPr>
-          <p:cNvPr id="3" name="Notes Placeholder 2"/>
-          <p:cNvSpPr>
-            <a:spLocks noGrp="1"/>
-          </p:cNvSpPr>
-          <p:nvPr>
-            <p:ph type="body" idx="1"/>
-          </p:nvPr>
-        </p:nvSpPr>
-        <p:spPr/>
-        <p:txBody>
-          <a:bodyPr/>
-          <a:lstStyle/>
-          <a:p>
-            <a:r>
-              <a:rPr lang="fr-FR" sz="1200" b="0" i="0" kern="1200" dirty="0" smtClean="0">
-                <a:solidFill>
-                  <a:schemeClr val="tx1"/>
-                </a:solidFill>
-                <a:effectLst/>
-                <a:latin typeface="+mn-lt"/>
-                <a:ea typeface="+mn-ea"/>
-                <a:cs typeface="+mn-cs"/>
-              </a:rPr>
-              <a:t>La </a:t>
-            </a:r>
-            <a:r>
-              <a:rPr lang="fr-FR" sz="1200" b="0" i="0" kern="1200" dirty="0" err="1" smtClean="0">
-                <a:solidFill>
-                  <a:schemeClr val="tx1"/>
-                </a:solidFill>
-                <a:effectLst/>
-                <a:latin typeface="+mn-lt"/>
-                <a:ea typeface="+mn-ea"/>
-                <a:cs typeface="+mn-cs"/>
-              </a:rPr>
-              <a:t>success</a:t>
-            </a:r>
-            <a:r>
-              <a:rPr lang="fr-FR" sz="1200" b="0" i="0" kern="1200" dirty="0" smtClean="0">
-                <a:solidFill>
-                  <a:schemeClr val="tx1"/>
-                </a:solidFill>
-                <a:effectLst/>
-                <a:latin typeface="+mn-lt"/>
-                <a:ea typeface="+mn-ea"/>
-                <a:cs typeface="+mn-cs"/>
-              </a:rPr>
-              <a:t> story d’</a:t>
-            </a:r>
-            <a:r>
-              <a:rPr lang="fr-FR" sz="1200" b="0" i="0" kern="1200" dirty="0" err="1" smtClean="0">
-                <a:solidFill>
-                  <a:schemeClr val="tx1"/>
-                </a:solidFill>
-                <a:effectLst/>
-                <a:latin typeface="+mn-lt"/>
-                <a:ea typeface="+mn-ea"/>
-                <a:cs typeface="+mn-cs"/>
-              </a:rPr>
-              <a:t>Atlassian</a:t>
-            </a:r>
-            <a:r>
-              <a:rPr lang="fr-FR" sz="1200" b="0" i="0" kern="1200" dirty="0" smtClean="0">
-                <a:solidFill>
-                  <a:schemeClr val="tx1"/>
-                </a:solidFill>
-                <a:effectLst/>
-                <a:latin typeface="+mn-lt"/>
-                <a:ea typeface="+mn-ea"/>
-                <a:cs typeface="+mn-cs"/>
-              </a:rPr>
-              <a:t>.</a:t>
-            </a:r>
-          </a:p>
-          <a:p>
-            <a:r>
-              <a:rPr lang="fr-FR" sz="1200" b="0" i="0" kern="1200" dirty="0" smtClean="0">
-                <a:solidFill>
-                  <a:schemeClr val="tx1"/>
-                </a:solidFill>
-                <a:effectLst/>
-                <a:latin typeface="+mn-lt"/>
-                <a:ea typeface="+mn-ea"/>
-                <a:cs typeface="+mn-cs"/>
-              </a:rPr>
-              <a:t>- </a:t>
-            </a:r>
-            <a:r>
-              <a:rPr lang="fr-FR" sz="1200" b="1" i="0" kern="1200" dirty="0" smtClean="0">
-                <a:solidFill>
-                  <a:schemeClr val="tx1"/>
-                </a:solidFill>
-                <a:effectLst/>
-                <a:latin typeface="+mn-lt"/>
-                <a:ea typeface="+mn-ea"/>
-                <a:cs typeface="+mn-cs"/>
-              </a:rPr>
-              <a:t>La ZONE</a:t>
-            </a:r>
-            <a:r>
-              <a:rPr lang="fr-FR" sz="1200" b="0" i="0" kern="1200" dirty="0" smtClean="0">
-                <a:solidFill>
-                  <a:schemeClr val="tx1"/>
-                </a:solidFill>
-                <a:effectLst/>
-                <a:latin typeface="+mn-lt"/>
-                <a:ea typeface="+mn-ea"/>
-                <a:cs typeface="+mn-cs"/>
-              </a:rPr>
-              <a:t> : Bloquer 4h pour bosser sans aucune distraction. Avec une personne ''écran'' bouclier humain pour bloquer les sollicitations</a:t>
-            </a:r>
-            <a:r>
-              <a:rPr lang="fr-FR" sz="1200" b="0" i="0" kern="1200" dirty="0" smtClean="0">
-                <a:solidFill>
-                  <a:schemeClr val="tx1"/>
-                </a:solidFill>
-                <a:effectLst/>
-                <a:latin typeface="+mn-lt"/>
-                <a:ea typeface="+mn-ea"/>
-                <a:cs typeface="+mn-cs"/>
-              </a:rPr>
-              <a:t>.</a:t>
-            </a:r>
-            <a:r>
-              <a:rPr lang="fr-FR" sz="1200" b="0" i="0" kern="1200" baseline="0" dirty="0" smtClean="0">
-                <a:solidFill>
-                  <a:schemeClr val="tx1"/>
-                </a:solidFill>
-                <a:effectLst/>
-                <a:latin typeface="+mn-lt"/>
-                <a:ea typeface="+mn-ea"/>
-                <a:cs typeface="+mn-cs"/>
-              </a:rPr>
-              <a:t> Aucun dérangement ne doit interférer pendant cette période.</a:t>
-            </a:r>
-            <a:r>
-              <a:rPr lang="fr-FR" sz="1200" b="0" i="0" kern="1200" dirty="0" smtClean="0">
-                <a:solidFill>
-                  <a:schemeClr val="tx1"/>
-                </a:solidFill>
-                <a:effectLst/>
-                <a:latin typeface="+mn-lt"/>
-                <a:ea typeface="+mn-ea"/>
-                <a:cs typeface="+mn-cs"/>
-              </a:rPr>
-              <a:t/>
-            </a:r>
-            <a:br>
-              <a:rPr lang="fr-FR" sz="1200" b="0" i="0" kern="1200" dirty="0" smtClean="0">
-                <a:solidFill>
-                  <a:schemeClr val="tx1"/>
-                </a:solidFill>
-                <a:effectLst/>
-                <a:latin typeface="+mn-lt"/>
-                <a:ea typeface="+mn-ea"/>
-                <a:cs typeface="+mn-cs"/>
-              </a:rPr>
-            </a:br>
-            <a:r>
-              <a:rPr lang="fr-FR" sz="1200" b="0" i="0" kern="1200" dirty="0" smtClean="0">
-                <a:solidFill>
-                  <a:schemeClr val="tx1"/>
-                </a:solidFill>
-                <a:effectLst/>
-                <a:latin typeface="+mn-lt"/>
-                <a:ea typeface="+mn-ea"/>
-                <a:cs typeface="+mn-cs"/>
-              </a:rPr>
-              <a:t>- </a:t>
-            </a:r>
-            <a:r>
-              <a:rPr lang="fr-FR" sz="1200" b="1" i="0" kern="1200" dirty="0" smtClean="0">
-                <a:solidFill>
-                  <a:schemeClr val="tx1"/>
-                </a:solidFill>
-                <a:effectLst/>
-                <a:latin typeface="+mn-lt"/>
-                <a:ea typeface="+mn-ea"/>
-                <a:cs typeface="+mn-cs"/>
-              </a:rPr>
-              <a:t>12_14</a:t>
-            </a:r>
-            <a:r>
-              <a:rPr lang="fr-FR" sz="1200" b="0" i="0" kern="1200" dirty="0" smtClean="0">
-                <a:solidFill>
-                  <a:schemeClr val="tx1"/>
-                </a:solidFill>
-                <a:effectLst/>
-                <a:latin typeface="+mn-lt"/>
-                <a:ea typeface="+mn-ea"/>
-                <a:cs typeface="+mn-cs"/>
-              </a:rPr>
-              <a:t> : alimenter </a:t>
-            </a:r>
-            <a:r>
-              <a:rPr lang="fr-FR" sz="1200" b="0" i="0" kern="1200" dirty="0" smtClean="0">
-                <a:solidFill>
-                  <a:schemeClr val="tx1"/>
-                </a:solidFill>
-                <a:effectLst/>
-                <a:latin typeface="+mn-lt"/>
-                <a:ea typeface="+mn-ea"/>
-                <a:cs typeface="+mn-cs"/>
-              </a:rPr>
-              <a:t>le </a:t>
-            </a:r>
-            <a:r>
-              <a:rPr lang="fr-FR" sz="1200" b="0" i="0" kern="1200" dirty="0" smtClean="0">
-                <a:solidFill>
-                  <a:schemeClr val="tx1"/>
-                </a:solidFill>
-                <a:effectLst/>
-                <a:latin typeface="+mn-lt"/>
-                <a:ea typeface="+mn-ea"/>
-                <a:cs typeface="+mn-cs"/>
-              </a:rPr>
-              <a:t>cerveau, </a:t>
-            </a:r>
-            <a:r>
-              <a:rPr lang="fr-FR" sz="1200" b="0" i="0" kern="1200" dirty="0" smtClean="0">
-                <a:solidFill>
-                  <a:schemeClr val="tx1"/>
-                </a:solidFill>
-                <a:effectLst/>
-                <a:latin typeface="+mn-lt"/>
-                <a:ea typeface="+mn-ea"/>
-                <a:cs typeface="+mn-cs"/>
-              </a:rPr>
-              <a:t>push d'information etc... </a:t>
-            </a:r>
-            <a:r>
-              <a:rPr lang="fr-FR" sz="1200" b="0" i="0" kern="1200" dirty="0" smtClean="0">
-                <a:solidFill>
-                  <a:schemeClr val="tx1"/>
-                </a:solidFill>
-                <a:effectLst/>
-                <a:latin typeface="+mn-lt"/>
-                <a:ea typeface="+mn-ea"/>
-                <a:cs typeface="+mn-cs"/>
-              </a:rPr>
-              <a:t>On fait déjà ca chez CGI.</a:t>
-            </a:r>
-            <a:r>
-              <a:rPr lang="fr-FR" sz="1200" b="0" i="0" kern="1200" dirty="0" smtClean="0">
-                <a:solidFill>
-                  <a:schemeClr val="tx1"/>
-                </a:solidFill>
-                <a:effectLst/>
-                <a:latin typeface="+mn-lt"/>
-                <a:ea typeface="+mn-ea"/>
-                <a:cs typeface="+mn-cs"/>
-              </a:rPr>
-              <a:t/>
-            </a:r>
-            <a:br>
-              <a:rPr lang="fr-FR" sz="1200" b="0" i="0" kern="1200" dirty="0" smtClean="0">
-                <a:solidFill>
-                  <a:schemeClr val="tx1"/>
-                </a:solidFill>
-                <a:effectLst/>
-                <a:latin typeface="+mn-lt"/>
-                <a:ea typeface="+mn-ea"/>
-                <a:cs typeface="+mn-cs"/>
-              </a:rPr>
-            </a:br>
-            <a:r>
-              <a:rPr lang="fr-FR" sz="1200" b="0" i="0" kern="1200" dirty="0" smtClean="0">
-                <a:solidFill>
-                  <a:schemeClr val="tx1"/>
-                </a:solidFill>
-                <a:effectLst/>
-                <a:latin typeface="+mn-lt"/>
-                <a:ea typeface="+mn-ea"/>
-                <a:cs typeface="+mn-cs"/>
-              </a:rPr>
-              <a:t>- </a:t>
-            </a:r>
-            <a:r>
-              <a:rPr lang="fr-FR" sz="1200" b="1" i="0" kern="1200" dirty="0" smtClean="0">
-                <a:solidFill>
-                  <a:schemeClr val="tx1"/>
-                </a:solidFill>
-                <a:effectLst/>
-                <a:latin typeface="+mn-lt"/>
-                <a:ea typeface="+mn-ea"/>
-                <a:cs typeface="+mn-cs"/>
-              </a:rPr>
-              <a:t>Reconnaissance</a:t>
-            </a:r>
-            <a:r>
-              <a:rPr lang="fr-FR" sz="1200" b="0" i="0" kern="1200" dirty="0" smtClean="0">
-                <a:solidFill>
-                  <a:schemeClr val="tx1"/>
-                </a:solidFill>
-                <a:effectLst/>
-                <a:latin typeface="+mn-lt"/>
-                <a:ea typeface="+mn-ea"/>
-                <a:cs typeface="+mn-cs"/>
-              </a:rPr>
-              <a:t> : Cadeaux</a:t>
-            </a:r>
-            <a:r>
-              <a:rPr lang="fr-FR" sz="1200" b="0" i="0" kern="1200" dirty="0" smtClean="0">
-                <a:solidFill>
-                  <a:schemeClr val="tx1"/>
-                </a:solidFill>
-                <a:effectLst/>
-                <a:latin typeface="+mn-lt"/>
-                <a:ea typeface="+mn-ea"/>
-                <a:cs typeface="+mn-cs"/>
-              </a:rPr>
-              <a:t> </a:t>
-            </a:r>
-            <a:r>
-              <a:rPr lang="fr-FR" sz="1200" b="0" i="0" kern="1200" dirty="0" smtClean="0">
-                <a:solidFill>
-                  <a:schemeClr val="tx1"/>
-                </a:solidFill>
-                <a:effectLst/>
-                <a:latin typeface="+mn-lt"/>
-                <a:ea typeface="+mn-ea"/>
-                <a:cs typeface="+mn-cs"/>
-              </a:rPr>
-              <a:t>libres </a:t>
-            </a:r>
-            <a:r>
-              <a:rPr lang="fr-FR" sz="1200" b="0" i="0" kern="1200" dirty="0" smtClean="0">
-                <a:solidFill>
-                  <a:schemeClr val="tx1"/>
-                </a:solidFill>
-                <a:effectLst/>
-                <a:latin typeface="+mn-lt"/>
-                <a:ea typeface="+mn-ea"/>
-                <a:cs typeface="+mn-cs"/>
-              </a:rPr>
-              <a:t>pour </a:t>
-            </a:r>
-            <a:r>
-              <a:rPr lang="fr-FR" sz="1200" b="0" i="0" kern="1200" dirty="0" smtClean="0">
-                <a:solidFill>
-                  <a:schemeClr val="tx1"/>
-                </a:solidFill>
-                <a:effectLst/>
-                <a:latin typeface="+mn-lt"/>
-                <a:ea typeface="+mn-ea"/>
-                <a:cs typeface="+mn-cs"/>
-              </a:rPr>
-              <a:t>remercier</a:t>
-            </a:r>
-            <a:r>
-              <a:rPr lang="fr-FR" sz="1200" b="0" i="0" kern="1200" baseline="0" dirty="0" smtClean="0">
-                <a:solidFill>
-                  <a:schemeClr val="tx1"/>
-                </a:solidFill>
-                <a:effectLst/>
-                <a:latin typeface="+mn-lt"/>
-                <a:ea typeface="+mn-ea"/>
-                <a:cs typeface="+mn-cs"/>
-              </a:rPr>
-              <a:t> lié </a:t>
-            </a:r>
-            <a:r>
-              <a:rPr lang="fr-FR" sz="1200" b="0" i="0" kern="1200" dirty="0" smtClean="0">
-                <a:solidFill>
-                  <a:schemeClr val="tx1"/>
-                </a:solidFill>
-                <a:effectLst/>
-                <a:latin typeface="+mn-lt"/>
-                <a:ea typeface="+mn-ea"/>
-                <a:cs typeface="+mn-cs"/>
-              </a:rPr>
-              <a:t>a </a:t>
-            </a:r>
-            <a:r>
-              <a:rPr lang="fr-FR" sz="1200" b="0" i="0" kern="1200" dirty="0" smtClean="0">
-                <a:solidFill>
-                  <a:schemeClr val="tx1"/>
-                </a:solidFill>
-                <a:effectLst/>
-                <a:latin typeface="+mn-lt"/>
-                <a:ea typeface="+mn-ea"/>
-                <a:cs typeface="+mn-cs"/>
-              </a:rPr>
-              <a:t>un petit mot (moins formel que </a:t>
-            </a:r>
-            <a:r>
-              <a:rPr lang="fr-FR" sz="1200" b="0" i="0" kern="1200" dirty="0" err="1" smtClean="0">
-                <a:solidFill>
-                  <a:schemeClr val="tx1"/>
-                </a:solidFill>
-                <a:effectLst/>
-                <a:latin typeface="+mn-lt"/>
-                <a:ea typeface="+mn-ea"/>
-                <a:cs typeface="+mn-cs"/>
-              </a:rPr>
-              <a:t>diamond</a:t>
-            </a:r>
-            <a:r>
-              <a:rPr lang="fr-FR" sz="1200" b="0" i="0" kern="1200" dirty="0" smtClean="0">
-                <a:solidFill>
-                  <a:schemeClr val="tx1"/>
-                </a:solidFill>
-                <a:effectLst/>
-                <a:latin typeface="+mn-lt"/>
-                <a:ea typeface="+mn-ea"/>
-                <a:cs typeface="+mn-cs"/>
-              </a:rPr>
-              <a:t> qui est un programme de reconnaissance </a:t>
-            </a:r>
-            <a:r>
-              <a:rPr lang="fr-FR" sz="1200" b="0" i="0" kern="1200" dirty="0" err="1" smtClean="0">
-                <a:solidFill>
-                  <a:schemeClr val="tx1"/>
-                </a:solidFill>
-                <a:effectLst/>
-                <a:latin typeface="+mn-lt"/>
-                <a:ea typeface="+mn-ea"/>
-                <a:cs typeface="+mn-cs"/>
-              </a:rPr>
-              <a:t>Logica</a:t>
-            </a:r>
-            <a:r>
-              <a:rPr lang="fr-FR" sz="1200" b="0" i="0" kern="1200" dirty="0" smtClean="0">
-                <a:solidFill>
-                  <a:schemeClr val="tx1"/>
-                </a:solidFill>
-                <a:effectLst/>
-                <a:latin typeface="+mn-lt"/>
-                <a:ea typeface="+mn-ea"/>
-                <a:cs typeface="+mn-cs"/>
-              </a:rPr>
-              <a:t>). Badges </a:t>
-            </a:r>
-            <a:r>
-              <a:rPr lang="fr-FR" sz="1200" b="0" i="0" kern="1200" dirty="0" err="1" smtClean="0">
-                <a:solidFill>
-                  <a:schemeClr val="tx1"/>
-                </a:solidFill>
-                <a:effectLst/>
-                <a:latin typeface="+mn-lt"/>
-                <a:ea typeface="+mn-ea"/>
-                <a:cs typeface="+mn-cs"/>
-              </a:rPr>
-              <a:t>mysite</a:t>
-            </a:r>
-            <a:r>
-              <a:rPr lang="fr-FR" sz="1200" b="0" i="0" kern="1200" dirty="0" smtClean="0">
-                <a:solidFill>
-                  <a:schemeClr val="tx1"/>
-                </a:solidFill>
-                <a:effectLst/>
-                <a:latin typeface="+mn-lt"/>
-                <a:ea typeface="+mn-ea"/>
-                <a:cs typeface="+mn-cs"/>
-              </a:rPr>
-              <a:t>.</a:t>
-            </a:r>
-            <a:r>
-              <a:rPr lang="fr-FR" sz="1200" b="0" i="0" kern="1200" dirty="0" smtClean="0">
-                <a:solidFill>
-                  <a:schemeClr val="tx1"/>
-                </a:solidFill>
-                <a:effectLst/>
-                <a:latin typeface="+mn-lt"/>
-                <a:ea typeface="+mn-ea"/>
-                <a:cs typeface="+mn-cs"/>
-              </a:rPr>
-              <a:t/>
-            </a:r>
-            <a:br>
-              <a:rPr lang="fr-FR" sz="1200" b="0" i="0" kern="1200" dirty="0" smtClean="0">
-                <a:solidFill>
-                  <a:schemeClr val="tx1"/>
-                </a:solidFill>
-                <a:effectLst/>
-                <a:latin typeface="+mn-lt"/>
-                <a:ea typeface="+mn-ea"/>
-                <a:cs typeface="+mn-cs"/>
-              </a:rPr>
-            </a:br>
-            <a:r>
-              <a:rPr lang="fr-FR" sz="1200" b="0" i="0" kern="1200" dirty="0" smtClean="0">
-                <a:solidFill>
-                  <a:schemeClr val="tx1"/>
-                </a:solidFill>
-                <a:effectLst/>
-                <a:latin typeface="+mn-lt"/>
-                <a:ea typeface="+mn-ea"/>
-                <a:cs typeface="+mn-cs"/>
-              </a:rPr>
-              <a:t>- </a:t>
-            </a:r>
-            <a:r>
-              <a:rPr lang="fr-FR" sz="1200" b="1" i="0" kern="1200" dirty="0" smtClean="0">
-                <a:solidFill>
-                  <a:schemeClr val="tx1"/>
-                </a:solidFill>
-                <a:effectLst/>
-                <a:latin typeface="+mn-lt"/>
-                <a:ea typeface="+mn-ea"/>
-                <a:cs typeface="+mn-cs"/>
-              </a:rPr>
-              <a:t>Report Robots</a:t>
-            </a:r>
-            <a:r>
-              <a:rPr lang="fr-FR" sz="1200" b="0" i="0" kern="1200" dirty="0" smtClean="0">
-                <a:solidFill>
-                  <a:schemeClr val="tx1"/>
-                </a:solidFill>
-                <a:effectLst/>
-                <a:latin typeface="+mn-lt"/>
-                <a:ea typeface="+mn-ea"/>
-                <a:cs typeface="+mn-cs"/>
-              </a:rPr>
-              <a:t> : </a:t>
-            </a:r>
-            <a:r>
-              <a:rPr lang="fr-FR" sz="1200" b="0" i="0" kern="1200" dirty="0" smtClean="0">
-                <a:solidFill>
-                  <a:schemeClr val="tx1"/>
-                </a:solidFill>
-                <a:effectLst/>
-                <a:latin typeface="+mn-lt"/>
-                <a:ea typeface="+mn-ea"/>
-                <a:cs typeface="+mn-cs"/>
-              </a:rPr>
-              <a:t>une </a:t>
-            </a:r>
-            <a:r>
-              <a:rPr lang="fr-FR" sz="1200" b="0" i="0" kern="1200" dirty="0" smtClean="0">
-                <a:solidFill>
-                  <a:schemeClr val="tx1"/>
-                </a:solidFill>
-                <a:effectLst/>
-                <a:latin typeface="+mn-lt"/>
-                <a:ea typeface="+mn-ea"/>
-                <a:cs typeface="+mn-cs"/>
-              </a:rPr>
-              <a:t>base de </a:t>
-            </a:r>
-            <a:r>
-              <a:rPr lang="fr-FR" sz="1200" b="0" i="0" kern="1200" dirty="0" smtClean="0">
-                <a:solidFill>
-                  <a:schemeClr val="tx1"/>
-                </a:solidFill>
-                <a:effectLst/>
-                <a:latin typeface="+mn-lt"/>
-                <a:ea typeface="+mn-ea"/>
-                <a:cs typeface="+mn-cs"/>
-              </a:rPr>
-              <a:t>données ouverte contenant</a:t>
-            </a:r>
-            <a:r>
-              <a:rPr lang="fr-FR" sz="1200" b="0" i="0" kern="1200" baseline="0" dirty="0" smtClean="0">
-                <a:solidFill>
-                  <a:schemeClr val="tx1"/>
-                </a:solidFill>
-                <a:effectLst/>
-                <a:latin typeface="+mn-lt"/>
-                <a:ea typeface="+mn-ea"/>
-                <a:cs typeface="+mn-cs"/>
-              </a:rPr>
-              <a:t> les </a:t>
-            </a:r>
-            <a:r>
-              <a:rPr lang="fr-FR" sz="1200" b="0" i="0" kern="1200" baseline="0" dirty="0" err="1" smtClean="0">
-                <a:solidFill>
-                  <a:schemeClr val="tx1"/>
-                </a:solidFill>
-                <a:effectLst/>
-                <a:latin typeface="+mn-lt"/>
-                <a:ea typeface="+mn-ea"/>
-                <a:cs typeface="+mn-cs"/>
-              </a:rPr>
-              <a:t>stats</a:t>
-            </a:r>
-            <a:r>
-              <a:rPr lang="fr-FR" sz="1200" b="0" i="0" kern="1200" baseline="0" dirty="0" smtClean="0">
-                <a:solidFill>
-                  <a:schemeClr val="tx1"/>
-                </a:solidFill>
-                <a:effectLst/>
-                <a:latin typeface="+mn-lt"/>
-                <a:ea typeface="+mn-ea"/>
-                <a:cs typeface="+mn-cs"/>
-              </a:rPr>
-              <a:t> de l’entreprise accessible à tout le monde, p</a:t>
-            </a:r>
-            <a:r>
-              <a:rPr lang="fr-FR" sz="1200" b="0" i="0" kern="1200" dirty="0" smtClean="0">
-                <a:solidFill>
-                  <a:schemeClr val="tx1"/>
-                </a:solidFill>
-                <a:effectLst/>
-                <a:latin typeface="+mn-lt"/>
-                <a:ea typeface="+mn-ea"/>
-                <a:cs typeface="+mn-cs"/>
-              </a:rPr>
-              <a:t>our </a:t>
-            </a:r>
-            <a:r>
-              <a:rPr lang="fr-FR" sz="1200" b="0" i="0" kern="1200" dirty="0" smtClean="0">
-                <a:solidFill>
-                  <a:schemeClr val="tx1"/>
-                </a:solidFill>
-                <a:effectLst/>
-                <a:latin typeface="+mn-lt"/>
-                <a:ea typeface="+mn-ea"/>
-                <a:cs typeface="+mn-cs"/>
-              </a:rPr>
-              <a:t>que chacun puisse faire ses tableaux </a:t>
-            </a:r>
-            <a:r>
-              <a:rPr lang="fr-FR" sz="1200" b="0" i="0" kern="1200" dirty="0" smtClean="0">
-                <a:solidFill>
-                  <a:schemeClr val="tx1"/>
-                </a:solidFill>
-                <a:effectLst/>
-                <a:latin typeface="+mn-lt"/>
-                <a:ea typeface="+mn-ea"/>
-                <a:cs typeface="+mn-cs"/>
-              </a:rPr>
-              <a:t>de bilan sur </a:t>
-            </a:r>
-            <a:r>
-              <a:rPr lang="fr-FR" sz="1200" b="0" i="0" kern="1200" dirty="0" smtClean="0">
-                <a:solidFill>
-                  <a:schemeClr val="tx1"/>
-                </a:solidFill>
-                <a:effectLst/>
-                <a:latin typeface="+mn-lt"/>
-                <a:ea typeface="+mn-ea"/>
-                <a:cs typeface="+mn-cs"/>
-              </a:rPr>
-              <a:t>les projets, le RH, les entretiens les releases les </a:t>
-            </a:r>
-            <a:r>
-              <a:rPr lang="fr-FR" sz="1200" b="0" i="0" kern="1200" dirty="0" err="1" smtClean="0">
-                <a:solidFill>
-                  <a:schemeClr val="tx1"/>
-                </a:solidFill>
-                <a:effectLst/>
-                <a:latin typeface="+mn-lt"/>
-                <a:ea typeface="+mn-ea"/>
-                <a:cs typeface="+mn-cs"/>
-              </a:rPr>
-              <a:t>builds</a:t>
-            </a:r>
-            <a:r>
-              <a:rPr lang="fr-FR" sz="1200" b="0" i="0" kern="1200" dirty="0" smtClean="0">
-                <a:solidFill>
-                  <a:schemeClr val="tx1"/>
-                </a:solidFill>
-                <a:effectLst/>
-                <a:latin typeface="+mn-lt"/>
-                <a:ea typeface="+mn-ea"/>
-                <a:cs typeface="+mn-cs"/>
-              </a:rPr>
-              <a:t> etc.... </a:t>
-            </a:r>
-            <a:r>
-              <a:rPr lang="fr-FR" sz="1200" b="0" i="0" kern="1200" dirty="0" smtClean="0">
-                <a:solidFill>
-                  <a:schemeClr val="tx1"/>
-                </a:solidFill>
-                <a:effectLst/>
-                <a:latin typeface="+mn-lt"/>
-                <a:ea typeface="+mn-ea"/>
-                <a:cs typeface="+mn-cs"/>
-              </a:rPr>
-              <a:t>Les </a:t>
-            </a:r>
-            <a:r>
-              <a:rPr lang="fr-FR" sz="1200" b="0" i="0" kern="1200" dirty="0" smtClean="0">
-                <a:solidFill>
-                  <a:schemeClr val="tx1"/>
-                </a:solidFill>
-                <a:effectLst/>
-                <a:latin typeface="+mn-lt"/>
-                <a:ea typeface="+mn-ea"/>
-                <a:cs typeface="+mn-cs"/>
-              </a:rPr>
-              <a:t>rapport que chacun fait sont ensuite mis sur les TV.</a:t>
-            </a:r>
-            <a:br>
-              <a:rPr lang="fr-FR" sz="1200" b="0" i="0" kern="1200" dirty="0" smtClean="0">
-                <a:solidFill>
-                  <a:schemeClr val="tx1"/>
-                </a:solidFill>
-                <a:effectLst/>
-                <a:latin typeface="+mn-lt"/>
-                <a:ea typeface="+mn-ea"/>
-                <a:cs typeface="+mn-cs"/>
-              </a:rPr>
-            </a:br>
-            <a:endParaRPr lang="fr-FR" dirty="0"/>
-          </a:p>
-        </p:txBody>
-      </p:sp>
-      <p:sp>
-        <p:nvSpPr>
-          <p:cNvPr id="4" name="Slide Number Placeholder 3"/>
-          <p:cNvSpPr>
-            <a:spLocks noGrp="1"/>
-          </p:cNvSpPr>
-          <p:nvPr>
-            <p:ph type="sldNum" sz="quarter" idx="10"/>
-          </p:nvPr>
-        </p:nvSpPr>
-        <p:spPr/>
-        <p:txBody>
-          <a:bodyPr/>
-          <a:lstStyle/>
-          <a:p>
-            <a:fld id="{4F8EF9A7-8DFE-4841-9F7F-6264B950D76E}" type="slidenum">
-              <a:rPr lang="fr-FR" smtClean="0"/>
-              <a:pPr/>
-              <a:t>6</a:t>
-            </a:fld>
-            <a:endParaRPr lang="fr-FR"/>
-          </a:p>
-        </p:txBody>
-      </p:sp>
-    </p:spTree>
-    <p:extLst>
-      <p:ext uri="{BB962C8B-B14F-4D97-AF65-F5344CB8AC3E}">
-        <p14:creationId xmlns:p14="http://schemas.microsoft.com/office/powerpoint/2010/main" xmlns="" val="2702840207"/>
-      </p:ext>
-    </p:extLst>
-  </p:cSld>
-  <p:clrMapOvr>
-    <a:masterClrMapping/>
-  </p:clrMapOvr>
-</p:notes>
-</file>
-
-<file path=ppt/notesSlides/notesSlide5.xml><?xml version="1.0" encoding="utf-8"?>
-<p:notes xmlns:a="http://schemas.openxmlformats.org/drawingml/2006/main" xmlns:r="http://schemas.openxmlformats.org/officeDocument/2006/relationships" xmlns:p="http://schemas.openxmlformats.org/presentationml/2006/main">
-  <p:cSld>
-    <p:spTree>
-      <p:nvGrpSpPr>
-        <p:cNvPr id="1" name=""/>
-        <p:cNvGrpSpPr/>
-        <p:nvPr/>
-      </p:nvGrpSpPr>
-      <p:grpSpPr>
-        <a:xfrm>
-          <a:off x="0" y="0"/>
-          <a:ext cx="0" cy="0"/>
-          <a:chOff x="0" y="0"/>
-          <a:chExt cx="0" cy="0"/>
-        </a:xfrm>
-      </p:grpSpPr>
-      <p:sp>
-        <p:nvSpPr>
-          <p:cNvPr id="2" name="Slide Image Placeholder 1"/>
-          <p:cNvSpPr>
-            <a:spLocks noGrp="1" noRot="1" noChangeAspect="1"/>
-          </p:cNvSpPr>
-          <p:nvPr>
-            <p:ph type="sldImg"/>
-          </p:nvPr>
-        </p:nvSpPr>
-        <p:spPr/>
-      </p:sp>
-      <p:sp>
-        <p:nvSpPr>
-          <p:cNvPr id="3" name="Notes Placeholder 2"/>
-          <p:cNvSpPr>
-            <a:spLocks noGrp="1"/>
-          </p:cNvSpPr>
-          <p:nvPr>
-            <p:ph type="body" idx="1"/>
-          </p:nvPr>
-        </p:nvSpPr>
-        <p:spPr/>
-        <p:txBody>
-          <a:bodyPr/>
-          <a:lstStyle/>
-          <a:p>
-            <a:r>
-              <a:rPr lang="fr-FR" sz="1200" b="0" i="0" kern="1200" dirty="0" smtClean="0">
-                <a:solidFill>
-                  <a:schemeClr val="tx1"/>
-                </a:solidFill>
-                <a:effectLst/>
-                <a:latin typeface="+mn-lt"/>
-                <a:ea typeface="+mn-ea"/>
-                <a:cs typeface="+mn-cs"/>
-              </a:rPr>
-              <a:t>- </a:t>
-            </a:r>
-            <a:r>
-              <a:rPr lang="fr-FR" sz="1200" b="0" i="0" kern="1200" dirty="0" smtClean="0">
-                <a:solidFill>
-                  <a:schemeClr val="tx1"/>
-                </a:solidFill>
-                <a:effectLst/>
-                <a:latin typeface="+mn-lt"/>
-                <a:ea typeface="+mn-ea"/>
-                <a:cs typeface="+mn-cs"/>
-              </a:rPr>
-              <a:t>Etre les premiers utilisateurs de nos produits. </a:t>
-            </a:r>
-            <a:r>
-              <a:rPr lang="fr-FR" dirty="0" smtClean="0"/>
-              <a:t>Utiliser son propre code.</a:t>
-            </a:r>
-            <a:r>
-              <a:rPr lang="fr-FR" sz="1200" b="0" i="0" kern="1200" dirty="0" smtClean="0">
-                <a:solidFill>
-                  <a:schemeClr val="tx1"/>
-                </a:solidFill>
-                <a:effectLst/>
-                <a:latin typeface="+mn-lt"/>
-                <a:ea typeface="+mn-ea"/>
-                <a:cs typeface="+mn-cs"/>
-              </a:rPr>
-              <a:t> </a:t>
-            </a:r>
-            <a:r>
-              <a:rPr lang="fr-FR" sz="1200" b="0" i="0" kern="1200" dirty="0" smtClean="0">
-                <a:solidFill>
-                  <a:schemeClr val="tx1"/>
-                </a:solidFill>
-                <a:effectLst/>
-                <a:latin typeface="+mn-lt"/>
-                <a:ea typeface="+mn-ea"/>
-                <a:cs typeface="+mn-cs"/>
-              </a:rPr>
-              <a:t>(</a:t>
-            </a:r>
-            <a:r>
-              <a:rPr lang="fr-FR" sz="1200" b="0" i="0" kern="1200" dirty="0" err="1" smtClean="0">
-                <a:solidFill>
-                  <a:schemeClr val="tx1"/>
-                </a:solidFill>
-                <a:effectLst/>
-                <a:latin typeface="+mn-lt"/>
-                <a:ea typeface="+mn-ea"/>
-                <a:cs typeface="+mn-cs"/>
-              </a:rPr>
-              <a:t>Eat</a:t>
-            </a:r>
-            <a:r>
-              <a:rPr lang="fr-FR" sz="1200" b="0" i="0" kern="1200" dirty="0" smtClean="0">
-                <a:solidFill>
-                  <a:schemeClr val="tx1"/>
-                </a:solidFill>
-                <a:effectLst/>
-                <a:latin typeface="+mn-lt"/>
-                <a:ea typeface="+mn-ea"/>
-                <a:cs typeface="+mn-cs"/>
-              </a:rPr>
-              <a:t> </a:t>
-            </a:r>
-            <a:r>
-              <a:rPr lang="fr-FR" sz="1200" b="0" i="0" kern="1200" dirty="0" err="1" smtClean="0">
-                <a:solidFill>
-                  <a:schemeClr val="tx1"/>
-                </a:solidFill>
-                <a:effectLst/>
-                <a:latin typeface="+mn-lt"/>
-                <a:ea typeface="+mn-ea"/>
-                <a:cs typeface="+mn-cs"/>
-              </a:rPr>
-              <a:t>your</a:t>
-            </a:r>
-            <a:r>
-              <a:rPr lang="fr-FR" sz="1200" b="0" i="0" kern="1200" dirty="0" smtClean="0">
-                <a:solidFill>
-                  <a:schemeClr val="tx1"/>
-                </a:solidFill>
-                <a:effectLst/>
-                <a:latin typeface="+mn-lt"/>
-                <a:ea typeface="+mn-ea"/>
-                <a:cs typeface="+mn-cs"/>
-              </a:rPr>
-              <a:t> </a:t>
-            </a:r>
-            <a:r>
-              <a:rPr lang="fr-FR" sz="1200" b="0" i="0" kern="1200" dirty="0" err="1" smtClean="0">
-                <a:solidFill>
-                  <a:schemeClr val="tx1"/>
-                </a:solidFill>
-                <a:effectLst/>
-                <a:latin typeface="+mn-lt"/>
-                <a:ea typeface="+mn-ea"/>
-                <a:cs typeface="+mn-cs"/>
-              </a:rPr>
-              <a:t>own</a:t>
-            </a:r>
-            <a:r>
-              <a:rPr lang="fr-FR" sz="1200" b="0" i="0" kern="1200" dirty="0" smtClean="0">
-                <a:solidFill>
-                  <a:schemeClr val="tx1"/>
-                </a:solidFill>
-                <a:effectLst/>
-                <a:latin typeface="+mn-lt"/>
-                <a:ea typeface="+mn-ea"/>
-                <a:cs typeface="+mn-cs"/>
-              </a:rPr>
-              <a:t> dog </a:t>
-            </a:r>
-            <a:r>
-              <a:rPr lang="fr-FR" sz="1200" b="0" i="0" kern="1200" dirty="0" err="1" smtClean="0">
-                <a:solidFill>
-                  <a:schemeClr val="tx1"/>
-                </a:solidFill>
-                <a:effectLst/>
-                <a:latin typeface="+mn-lt"/>
-                <a:ea typeface="+mn-ea"/>
-                <a:cs typeface="+mn-cs"/>
-              </a:rPr>
-              <a:t>food</a:t>
-            </a:r>
-            <a:r>
-              <a:rPr lang="fr-FR" sz="1200" b="0" i="0" kern="1200" dirty="0" smtClean="0">
-                <a:solidFill>
-                  <a:schemeClr val="tx1"/>
-                </a:solidFill>
-                <a:effectLst/>
-                <a:latin typeface="+mn-lt"/>
-                <a:ea typeface="+mn-ea"/>
-                <a:cs typeface="+mn-cs"/>
-              </a:rPr>
-              <a:t>)</a:t>
-            </a:r>
-            <a:br>
-              <a:rPr lang="fr-FR" sz="1200" b="0" i="0" kern="1200" dirty="0" smtClean="0">
-                <a:solidFill>
-                  <a:schemeClr val="tx1"/>
-                </a:solidFill>
-                <a:effectLst/>
-                <a:latin typeface="+mn-lt"/>
-                <a:ea typeface="+mn-ea"/>
-                <a:cs typeface="+mn-cs"/>
-              </a:rPr>
-            </a:br>
-            <a:r>
-              <a:rPr lang="fr-FR" sz="1200" b="0" i="0" kern="1200" dirty="0" smtClean="0">
-                <a:solidFill>
-                  <a:schemeClr val="tx1"/>
-                </a:solidFill>
-                <a:effectLst/>
-                <a:latin typeface="+mn-lt"/>
-                <a:ea typeface="+mn-ea"/>
-                <a:cs typeface="+mn-cs"/>
-              </a:rPr>
-              <a:t>- </a:t>
-            </a:r>
-            <a:r>
-              <a:rPr lang="fr-FR" sz="1200" b="1" i="0" kern="1200" dirty="0" err="1" smtClean="0">
-                <a:solidFill>
-                  <a:schemeClr val="tx1"/>
-                </a:solidFill>
-                <a:effectLst/>
-                <a:latin typeface="+mn-lt"/>
-                <a:ea typeface="+mn-ea"/>
-                <a:cs typeface="+mn-cs"/>
-              </a:rPr>
-              <a:t>Special</a:t>
-            </a:r>
-            <a:r>
-              <a:rPr lang="fr-FR" sz="1200" b="1" i="0" kern="1200" dirty="0" smtClean="0">
-                <a:solidFill>
-                  <a:schemeClr val="tx1"/>
-                </a:solidFill>
-                <a:effectLst/>
-                <a:latin typeface="+mn-lt"/>
-                <a:ea typeface="+mn-ea"/>
-                <a:cs typeface="+mn-cs"/>
-              </a:rPr>
-              <a:t> </a:t>
-            </a:r>
-            <a:r>
-              <a:rPr lang="fr-FR" sz="1200" b="1" i="0" kern="1200" dirty="0" err="1" smtClean="0">
-                <a:solidFill>
-                  <a:schemeClr val="tx1"/>
-                </a:solidFill>
-                <a:effectLst/>
-                <a:latin typeface="+mn-lt"/>
-                <a:ea typeface="+mn-ea"/>
-                <a:cs typeface="+mn-cs"/>
-              </a:rPr>
-              <a:t>day</a:t>
-            </a:r>
-            <a:r>
-              <a:rPr lang="fr-FR" sz="1200" b="0" i="0" kern="1200" dirty="0" smtClean="0">
-                <a:solidFill>
-                  <a:schemeClr val="tx1"/>
-                </a:solidFill>
-                <a:effectLst/>
-                <a:latin typeface="+mn-lt"/>
-                <a:ea typeface="+mn-ea"/>
-                <a:cs typeface="+mn-cs"/>
-              </a:rPr>
-              <a:t> . documentation </a:t>
-            </a:r>
-            <a:r>
-              <a:rPr lang="fr-FR" sz="1200" b="0" i="0" kern="1200" dirty="0" err="1" smtClean="0">
-                <a:solidFill>
-                  <a:schemeClr val="tx1"/>
-                </a:solidFill>
-                <a:effectLst/>
-                <a:latin typeface="+mn-lt"/>
-                <a:ea typeface="+mn-ea"/>
-                <a:cs typeface="+mn-cs"/>
-              </a:rPr>
-              <a:t>day</a:t>
-            </a:r>
-            <a:r>
-              <a:rPr lang="fr-FR" sz="1200" b="0" i="0" kern="1200" dirty="0" smtClean="0">
-                <a:solidFill>
-                  <a:schemeClr val="tx1"/>
-                </a:solidFill>
-                <a:effectLst/>
-                <a:latin typeface="+mn-lt"/>
-                <a:ea typeface="+mn-ea"/>
-                <a:cs typeface="+mn-cs"/>
-              </a:rPr>
-              <a:t> (avec repas spécial), bug </a:t>
-            </a:r>
-            <a:r>
-              <a:rPr lang="fr-FR" sz="1200" b="0" i="0" kern="1200" dirty="0" err="1" smtClean="0">
-                <a:solidFill>
-                  <a:schemeClr val="tx1"/>
-                </a:solidFill>
-                <a:effectLst/>
-                <a:latin typeface="+mn-lt"/>
-                <a:ea typeface="+mn-ea"/>
-                <a:cs typeface="+mn-cs"/>
-              </a:rPr>
-              <a:t>day</a:t>
-            </a:r>
-            <a:r>
-              <a:rPr lang="fr-FR" sz="1200" b="0" i="0" kern="1200" dirty="0" smtClean="0">
-                <a:solidFill>
-                  <a:schemeClr val="tx1"/>
-                </a:solidFill>
-                <a:effectLst/>
-                <a:latin typeface="+mn-lt"/>
-                <a:ea typeface="+mn-ea"/>
-                <a:cs typeface="+mn-cs"/>
-              </a:rPr>
-              <a:t> (tout le monde cherche des bugs), clean up </a:t>
-            </a:r>
-            <a:r>
-              <a:rPr lang="fr-FR" sz="1200" b="0" i="0" kern="1200" dirty="0" err="1" smtClean="0">
-                <a:solidFill>
-                  <a:schemeClr val="tx1"/>
-                </a:solidFill>
-                <a:effectLst/>
-                <a:latin typeface="+mn-lt"/>
-                <a:ea typeface="+mn-ea"/>
-                <a:cs typeface="+mn-cs"/>
-              </a:rPr>
-              <a:t>day</a:t>
-            </a:r>
-            <a:r>
-              <a:rPr lang="fr-FR" sz="1200" b="0" i="0" kern="1200" dirty="0" smtClean="0">
-                <a:solidFill>
-                  <a:schemeClr val="tx1"/>
-                </a:solidFill>
-                <a:effectLst/>
-                <a:latin typeface="+mn-lt"/>
-                <a:ea typeface="+mn-ea"/>
-                <a:cs typeface="+mn-cs"/>
-              </a:rPr>
-              <a:t> (desk, code, </a:t>
-            </a:r>
-            <a:r>
-              <a:rPr lang="fr-FR" sz="1200" b="0" i="0" kern="1200" dirty="0" err="1" smtClean="0">
-                <a:solidFill>
-                  <a:schemeClr val="tx1"/>
-                </a:solidFill>
-                <a:effectLst/>
-                <a:latin typeface="+mn-lt"/>
-                <a:ea typeface="+mn-ea"/>
-                <a:cs typeface="+mn-cs"/>
-              </a:rPr>
-              <a:t>libs</a:t>
-            </a:r>
-            <a:r>
-              <a:rPr lang="fr-FR" sz="1200" b="0" i="0" kern="1200" dirty="0" smtClean="0">
-                <a:solidFill>
-                  <a:schemeClr val="tx1"/>
-                </a:solidFill>
-                <a:effectLst/>
-                <a:latin typeface="+mn-lt"/>
-                <a:ea typeface="+mn-ea"/>
-                <a:cs typeface="+mn-cs"/>
-              </a:rPr>
-              <a:t>, ...), tout le monde fait la </a:t>
-            </a:r>
-            <a:r>
-              <a:rPr lang="fr-FR" sz="1200" b="0" i="0" kern="1200" dirty="0" err="1" smtClean="0">
-                <a:solidFill>
-                  <a:schemeClr val="tx1"/>
-                </a:solidFill>
-                <a:effectLst/>
-                <a:latin typeface="+mn-lt"/>
-                <a:ea typeface="+mn-ea"/>
-                <a:cs typeface="+mn-cs"/>
-              </a:rPr>
-              <a:t>meme</a:t>
-            </a:r>
-            <a:r>
-              <a:rPr lang="fr-FR" sz="1200" b="0" i="0" kern="1200" dirty="0" smtClean="0">
-                <a:solidFill>
-                  <a:schemeClr val="tx1"/>
-                </a:solidFill>
-                <a:effectLst/>
-                <a:latin typeface="+mn-lt"/>
-                <a:ea typeface="+mn-ea"/>
-                <a:cs typeface="+mn-cs"/>
-              </a:rPr>
-              <a:t> chose dans la journée attention il faut un objectif : prendre une photo du plateau, une mesure de la taille des pages, ou du </a:t>
-            </a:r>
-            <a:r>
-              <a:rPr lang="fr-FR" sz="1200" b="0" i="0" kern="1200" dirty="0" err="1" smtClean="0">
-                <a:solidFill>
-                  <a:schemeClr val="tx1"/>
-                </a:solidFill>
-                <a:effectLst/>
-                <a:latin typeface="+mn-lt"/>
-                <a:ea typeface="+mn-ea"/>
-                <a:cs typeface="+mn-cs"/>
-              </a:rPr>
-              <a:t>build</a:t>
-            </a:r>
-            <a:r>
-              <a:rPr lang="fr-FR" sz="1200" b="0" i="0" kern="1200" dirty="0" smtClean="0">
-                <a:solidFill>
-                  <a:schemeClr val="tx1"/>
-                </a:solidFill>
-                <a:effectLst/>
-                <a:latin typeface="+mn-lt"/>
-                <a:ea typeface="+mn-ea"/>
-                <a:cs typeface="+mn-cs"/>
-              </a:rPr>
-              <a:t>, ou des gains de perfs etc...)</a:t>
-            </a:r>
-            <a:br>
-              <a:rPr lang="fr-FR" sz="1200" b="0" i="0" kern="1200" dirty="0" smtClean="0">
-                <a:solidFill>
-                  <a:schemeClr val="tx1"/>
-                </a:solidFill>
-                <a:effectLst/>
-                <a:latin typeface="+mn-lt"/>
-                <a:ea typeface="+mn-ea"/>
-                <a:cs typeface="+mn-cs"/>
-              </a:rPr>
-            </a:br>
-            <a:r>
-              <a:rPr lang="fr-FR" sz="1200" b="0" i="0" kern="1200" dirty="0" smtClean="0">
-                <a:solidFill>
-                  <a:schemeClr val="tx1"/>
-                </a:solidFill>
-                <a:effectLst/>
-                <a:latin typeface="+mn-lt"/>
-                <a:ea typeface="+mn-ea"/>
-                <a:cs typeface="+mn-cs"/>
-              </a:rPr>
-              <a:t>- </a:t>
-            </a:r>
-            <a:r>
-              <a:rPr lang="fr-FR" sz="1200" b="1" i="0" kern="1200" dirty="0" err="1" smtClean="0">
-                <a:solidFill>
-                  <a:schemeClr val="tx1"/>
-                </a:solidFill>
-                <a:effectLst/>
-                <a:latin typeface="+mn-lt"/>
-                <a:ea typeface="+mn-ea"/>
-                <a:cs typeface="+mn-cs"/>
-              </a:rPr>
-              <a:t>ship</a:t>
-            </a:r>
-            <a:r>
-              <a:rPr lang="fr-FR" sz="1200" b="1" i="0" kern="1200" dirty="0" smtClean="0">
-                <a:solidFill>
-                  <a:schemeClr val="tx1"/>
-                </a:solidFill>
-                <a:effectLst/>
-                <a:latin typeface="+mn-lt"/>
-                <a:ea typeface="+mn-ea"/>
-                <a:cs typeface="+mn-cs"/>
-              </a:rPr>
-              <a:t> </a:t>
-            </a:r>
-            <a:r>
-              <a:rPr lang="fr-FR" sz="1200" b="1" i="0" kern="1200" dirty="0" err="1" smtClean="0">
-                <a:solidFill>
-                  <a:schemeClr val="tx1"/>
-                </a:solidFill>
-                <a:effectLst/>
-                <a:latin typeface="+mn-lt"/>
-                <a:ea typeface="+mn-ea"/>
-                <a:cs typeface="+mn-cs"/>
-              </a:rPr>
-              <a:t>it</a:t>
-            </a:r>
-            <a:r>
-              <a:rPr lang="fr-FR" sz="1200" b="1" i="0" kern="1200" dirty="0" smtClean="0">
-                <a:solidFill>
-                  <a:schemeClr val="tx1"/>
-                </a:solidFill>
-                <a:effectLst/>
-                <a:latin typeface="+mn-lt"/>
-                <a:ea typeface="+mn-ea"/>
-                <a:cs typeface="+mn-cs"/>
-              </a:rPr>
-              <a:t> </a:t>
-            </a:r>
-            <a:r>
-              <a:rPr lang="fr-FR" sz="1200" b="1" i="0" kern="1200" dirty="0" err="1" smtClean="0">
-                <a:solidFill>
-                  <a:schemeClr val="tx1"/>
-                </a:solidFill>
-                <a:effectLst/>
-                <a:latin typeface="+mn-lt"/>
-                <a:ea typeface="+mn-ea"/>
-                <a:cs typeface="+mn-cs"/>
-              </a:rPr>
-              <a:t>days</a:t>
-            </a:r>
-            <a:r>
-              <a:rPr lang="fr-FR" sz="1200" b="0" i="0" kern="1200" dirty="0" smtClean="0">
-                <a:solidFill>
-                  <a:schemeClr val="tx1"/>
-                </a:solidFill>
-                <a:effectLst/>
-                <a:latin typeface="+mn-lt"/>
-                <a:ea typeface="+mn-ea"/>
-                <a:cs typeface="+mn-cs"/>
-              </a:rPr>
-              <a:t>. : idées en </a:t>
-            </a:r>
-            <a:r>
-              <a:rPr lang="fr-FR" sz="1200" b="0" i="0" kern="1200" dirty="0" err="1" smtClean="0">
-                <a:solidFill>
-                  <a:schemeClr val="tx1"/>
-                </a:solidFill>
-                <a:effectLst/>
-                <a:latin typeface="+mn-lt"/>
-                <a:ea typeface="+mn-ea"/>
-                <a:cs typeface="+mn-cs"/>
-              </a:rPr>
-              <a:t>brainstorms</a:t>
-            </a:r>
-            <a:r>
-              <a:rPr lang="fr-FR" sz="1200" b="0" i="0" kern="1200" dirty="0" smtClean="0">
-                <a:solidFill>
-                  <a:schemeClr val="tx1"/>
-                </a:solidFill>
-                <a:effectLst/>
-                <a:latin typeface="+mn-lt"/>
-                <a:ea typeface="+mn-ea"/>
-                <a:cs typeface="+mn-cs"/>
-              </a:rPr>
-              <a:t>, jeudi 15h top départ (nuit code :-)) démo le vendredi après-midi pour prouver son idée. </a:t>
-            </a:r>
-            <a:r>
-              <a:rPr lang="fr-FR" sz="1200" b="0" i="0" kern="1200" dirty="0" smtClean="0">
-                <a:solidFill>
-                  <a:schemeClr val="tx1"/>
-                </a:solidFill>
-                <a:effectLst/>
-                <a:latin typeface="+mn-lt"/>
-                <a:ea typeface="+mn-ea"/>
-                <a:cs typeface="+mn-cs"/>
-              </a:rPr>
-              <a:t>Motivation de l’équipe.</a:t>
-            </a:r>
-            <a:r>
-              <a:rPr lang="fr-FR" sz="1200" b="0" i="0" kern="1200" dirty="0" smtClean="0">
-                <a:solidFill>
-                  <a:schemeClr val="tx1"/>
-                </a:solidFill>
-                <a:effectLst/>
-                <a:latin typeface="+mn-lt"/>
-                <a:ea typeface="+mn-ea"/>
-                <a:cs typeface="+mn-cs"/>
-              </a:rPr>
-              <a:t/>
-            </a:r>
-            <a:br>
-              <a:rPr lang="fr-FR" sz="1200" b="0" i="0" kern="1200" dirty="0" smtClean="0">
-                <a:solidFill>
-                  <a:schemeClr val="tx1"/>
-                </a:solidFill>
-                <a:effectLst/>
-                <a:latin typeface="+mn-lt"/>
-                <a:ea typeface="+mn-ea"/>
-                <a:cs typeface="+mn-cs"/>
-              </a:rPr>
-            </a:br>
-            <a:r>
-              <a:rPr lang="fr-FR" sz="1200" b="0" i="0" kern="1200" dirty="0" smtClean="0">
-                <a:solidFill>
-                  <a:schemeClr val="tx1"/>
-                </a:solidFill>
-                <a:effectLst/>
-                <a:latin typeface="+mn-lt"/>
-                <a:ea typeface="+mn-ea"/>
-                <a:cs typeface="+mn-cs"/>
-              </a:rPr>
-              <a:t>- </a:t>
-            </a:r>
-            <a:r>
-              <a:rPr lang="fr-FR" sz="1200" b="1" i="0" kern="1200" dirty="0" smtClean="0">
-                <a:solidFill>
-                  <a:schemeClr val="tx1"/>
-                </a:solidFill>
-                <a:effectLst/>
-                <a:latin typeface="+mn-lt"/>
-                <a:ea typeface="+mn-ea"/>
-                <a:cs typeface="+mn-cs"/>
-              </a:rPr>
-              <a:t>20% time</a:t>
-            </a:r>
-            <a:r>
-              <a:rPr lang="fr-FR" sz="1200" b="0" i="0" kern="1200" dirty="0" smtClean="0">
-                <a:solidFill>
-                  <a:schemeClr val="tx1"/>
-                </a:solidFill>
-                <a:effectLst/>
-                <a:latin typeface="+mn-lt"/>
-                <a:ea typeface="+mn-ea"/>
-                <a:cs typeface="+mn-cs"/>
-              </a:rPr>
-              <a:t>. </a:t>
-            </a:r>
-            <a:r>
-              <a:rPr lang="fr-FR" sz="1200" b="0" i="0" kern="1200" dirty="0" smtClean="0">
-                <a:solidFill>
-                  <a:schemeClr val="tx1"/>
-                </a:solidFill>
-                <a:effectLst/>
-                <a:latin typeface="+mn-lt"/>
-                <a:ea typeface="+mn-ea"/>
-                <a:cs typeface="+mn-cs"/>
-              </a:rPr>
-              <a:t>Mode</a:t>
-            </a:r>
-            <a:r>
-              <a:rPr lang="fr-FR" sz="1200" b="0" i="0" kern="1200" baseline="0" dirty="0" smtClean="0">
-                <a:solidFill>
-                  <a:schemeClr val="tx1"/>
-                </a:solidFill>
-                <a:effectLst/>
-                <a:latin typeface="+mn-lt"/>
-                <a:ea typeface="+mn-ea"/>
-                <a:cs typeface="+mn-cs"/>
-              </a:rPr>
-              <a:t> lancée par </a:t>
-            </a:r>
-            <a:r>
-              <a:rPr lang="fr-FR" sz="1200" b="0" i="0" kern="1200" baseline="0" dirty="0" err="1" smtClean="0">
-                <a:solidFill>
-                  <a:schemeClr val="tx1"/>
-                </a:solidFill>
-                <a:effectLst/>
-                <a:latin typeface="+mn-lt"/>
-                <a:ea typeface="+mn-ea"/>
-                <a:cs typeface="+mn-cs"/>
-              </a:rPr>
-              <a:t>google</a:t>
-            </a:r>
-            <a:r>
-              <a:rPr lang="fr-FR" sz="1200" b="0" i="0" kern="1200" baseline="0" dirty="0" smtClean="0">
-                <a:solidFill>
-                  <a:schemeClr val="tx1"/>
-                </a:solidFill>
-                <a:effectLst/>
-                <a:latin typeface="+mn-lt"/>
-                <a:ea typeface="+mn-ea"/>
-                <a:cs typeface="+mn-cs"/>
-              </a:rPr>
-              <a:t> : 20% du temps de travail n’est pas consacré au projet sur lequel travaille le membre. Permet l’innovation et la motivation. Sentiment d’appartenance. Moins de </a:t>
-            </a:r>
-            <a:r>
-              <a:rPr lang="fr-FR" sz="1200" b="0" i="0" kern="1200" baseline="0" dirty="0" err="1" smtClean="0">
-                <a:solidFill>
-                  <a:schemeClr val="tx1"/>
-                </a:solidFill>
-                <a:effectLst/>
-                <a:latin typeface="+mn-lt"/>
-                <a:ea typeface="+mn-ea"/>
-                <a:cs typeface="+mn-cs"/>
-              </a:rPr>
-              <a:t>turn</a:t>
-            </a:r>
-            <a:r>
-              <a:rPr lang="fr-FR" sz="1200" b="0" i="0" kern="1200" baseline="0" dirty="0" smtClean="0">
-                <a:solidFill>
-                  <a:schemeClr val="tx1"/>
-                </a:solidFill>
-                <a:effectLst/>
-                <a:latin typeface="+mn-lt"/>
-                <a:ea typeface="+mn-ea"/>
-                <a:cs typeface="+mn-cs"/>
-              </a:rPr>
-              <a:t>. Mais généralement les personnes ayant accès à cette méthode culpabilisent en passe moins de 20% du temps sur d’autres projets. </a:t>
-            </a:r>
-            <a:endParaRPr lang="fr-FR" sz="1200" b="0" i="0" kern="1200" dirty="0" smtClean="0">
-              <a:solidFill>
-                <a:schemeClr val="tx1"/>
-              </a:solidFill>
-              <a:effectLst/>
-              <a:latin typeface="+mn-lt"/>
-              <a:ea typeface="+mn-ea"/>
-              <a:cs typeface="+mn-cs"/>
-            </a:endParaRPr>
-          </a:p>
-          <a:p>
-            <a:endParaRPr lang="fr-FR" dirty="0" smtClean="0"/>
-          </a:p>
-          <a:p>
-            <a:endParaRPr lang="fr-FR" dirty="0"/>
-          </a:p>
-        </p:txBody>
-      </p:sp>
-      <p:sp>
-        <p:nvSpPr>
-          <p:cNvPr id="4" name="Slide Number Placeholder 3"/>
-          <p:cNvSpPr>
-            <a:spLocks noGrp="1"/>
-          </p:cNvSpPr>
-          <p:nvPr>
-            <p:ph type="sldNum" sz="quarter" idx="10"/>
-          </p:nvPr>
-        </p:nvSpPr>
-        <p:spPr/>
-        <p:txBody>
-          <a:bodyPr/>
-          <a:lstStyle/>
-          <a:p>
-            <a:fld id="{4F8EF9A7-8DFE-4841-9F7F-6264B950D76E}" type="slidenum">
-              <a:rPr lang="fr-FR" smtClean="0"/>
-              <a:pPr/>
-              <a:t>7</a:t>
-            </a:fld>
-            <a:endParaRPr lang="fr-FR"/>
-          </a:p>
-        </p:txBody>
-      </p:sp>
-    </p:spTree>
-    <p:extLst>
-      <p:ext uri="{BB962C8B-B14F-4D97-AF65-F5344CB8AC3E}">
-        <p14:creationId xmlns:p14="http://schemas.microsoft.com/office/powerpoint/2010/main" xmlns="" val="3354528895"/>
+        <p14:creationId xmlns="" xmlns:p14="http://schemas.microsoft.com/office/powerpoint/2010/main" val="3359019707"/>
       </p:ext>
     </p:extLst>
   </p:cSld>
@@ -3391,7 +954,7 @@
           <a:blip r:embed="rId6" cstate="print">
             <a:extLst>
               <a:ext uri="{28A0092B-C50C-407E-A947-70E740481C1C}">
-                <a14:useLocalDpi xmlns:a14="http://schemas.microsoft.com/office/drawing/2010/main" xmlns="" val="0"/>
+                <a14:useLocalDpi xmlns="" xmlns:a14="http://schemas.microsoft.com/office/drawing/2010/main" val="0"/>
               </a:ext>
             </a:extLst>
           </a:blip>
@@ -3754,7 +1317,7 @@
           <a:blip r:embed="rId6" cstate="print">
             <a:extLst>
               <a:ext uri="{28A0092B-C50C-407E-A947-70E740481C1C}">
-                <a14:useLocalDpi xmlns:a14="http://schemas.microsoft.com/office/drawing/2010/main" xmlns="" val="0"/>
+                <a14:useLocalDpi xmlns="" xmlns:a14="http://schemas.microsoft.com/office/drawing/2010/main" val="0"/>
               </a:ext>
             </a:extLst>
           </a:blip>
@@ -11490,151 +9053,6 @@
       </p:grpSpPr>
       <p:sp>
         <p:nvSpPr>
-          <p:cNvPr id="2" name="Titre 1"/>
-          <p:cNvSpPr>
-            <a:spLocks noGrp="1"/>
-          </p:cNvSpPr>
-          <p:nvPr>
-            <p:ph type="title"/>
-          </p:nvPr>
-        </p:nvSpPr>
-        <p:spPr/>
-        <p:txBody>
-          <a:bodyPr/>
-          <a:lstStyle/>
-          <a:p>
-            <a:r>
-              <a:rPr lang="fr-FR" smtClean="0"/>
-              <a:t>Sommaire</a:t>
-            </a:r>
-            <a:endParaRPr lang="fr-FR" dirty="0"/>
-          </a:p>
-        </p:txBody>
-      </p:sp>
-      <p:sp>
-        <p:nvSpPr>
-          <p:cNvPr id="3" name="Espace réservé du numéro de diapositive 2"/>
-          <p:cNvSpPr>
-            <a:spLocks noGrp="1"/>
-          </p:cNvSpPr>
-          <p:nvPr>
-            <p:ph type="sldNum" sz="quarter" idx="12"/>
-          </p:nvPr>
-        </p:nvSpPr>
-        <p:spPr/>
-        <p:txBody>
-          <a:bodyPr/>
-          <a:lstStyle/>
-          <a:p>
-            <a:fld id="{525A3C56-E491-49B2-93F3-63532DF516BC}" type="slidenum">
-              <a:rPr lang="fr-FR" smtClean="0"/>
-              <a:pPr/>
-              <a:t>2</a:t>
-            </a:fld>
-            <a:endParaRPr lang="fr-FR"/>
-          </a:p>
-        </p:txBody>
-      </p:sp>
-      <p:sp>
-        <p:nvSpPr>
-          <p:cNvPr id="7" name="Espace réservé du texte 6"/>
-          <p:cNvSpPr>
-            <a:spLocks noGrp="1"/>
-          </p:cNvSpPr>
-          <p:nvPr>
-            <p:ph type="body" sz="quarter" idx="13"/>
-          </p:nvPr>
-        </p:nvSpPr>
-        <p:spPr/>
-        <p:txBody>
-          <a:bodyPr/>
-          <a:lstStyle/>
-          <a:p>
-            <a:r>
-              <a:rPr lang="fr-CA" dirty="0" smtClean="0"/>
-              <a:t>Contexte</a:t>
-            </a:r>
-          </a:p>
-          <a:p>
-            <a:pPr lvl="1"/>
-            <a:endParaRPr lang="fr-CA" dirty="0" smtClean="0"/>
-          </a:p>
-          <a:p>
-            <a:r>
-              <a:rPr lang="fr-CA" dirty="0" smtClean="0"/>
-              <a:t>Mais qu’est ce que c’est ?</a:t>
-            </a:r>
-          </a:p>
-          <a:p>
-            <a:pPr lvl="1"/>
-            <a:endParaRPr lang="fr-CA" dirty="0" smtClean="0"/>
-          </a:p>
-          <a:p>
-            <a:r>
-              <a:rPr lang="fr-CA" dirty="0" smtClean="0"/>
-              <a:t>Pros &amp; cons</a:t>
-            </a:r>
-          </a:p>
-          <a:p>
-            <a:endParaRPr lang="fr-CA" dirty="0" smtClean="0"/>
-          </a:p>
-          <a:p>
-            <a:r>
-              <a:rPr lang="fr-CA" dirty="0" smtClean="0"/>
-              <a:t>REX</a:t>
-            </a:r>
-          </a:p>
-          <a:p>
-            <a:endParaRPr lang="fr-CA" dirty="0"/>
-          </a:p>
-          <a:p>
-            <a:r>
-              <a:rPr lang="fr-CA" dirty="0" smtClean="0"/>
-              <a:t>Pizzas</a:t>
-            </a:r>
-          </a:p>
-          <a:p>
-            <a:endParaRPr lang="fr-CA" dirty="0" smtClean="0"/>
-          </a:p>
-          <a:p>
-            <a:endParaRPr lang="fr-CA" dirty="0" smtClean="0"/>
-          </a:p>
-        </p:txBody>
-      </p:sp>
-    </p:spTree>
-  </p:cSld>
-  <p:clrMapOvr>
-    <a:masterClrMapping/>
-  </p:clrMapOvr>
-  <p:timing>
-    <p:tnLst>
-      <p:par>
-        <p:cTn id="1" dur="indefinite" restart="never" nodeType="tmRoot"/>
-      </p:par>
-    </p:tnLst>
-  </p:timing>
-</p:sld>
-</file>
-
-<file path=ppt/slides/slide3.xml><?xml version="1.0" encoding="utf-8"?>
-<p:sld xmlns:a="http://schemas.openxmlformats.org/drawingml/2006/main" xmlns:r="http://schemas.openxmlformats.org/officeDocument/2006/relationships" xmlns:p="http://schemas.openxmlformats.org/presentationml/2006/main">
-  <p:cSld>
-    <p:spTree>
-      <p:nvGrpSpPr>
-        <p:cNvPr id="1" name=""/>
-        <p:cNvGrpSpPr/>
-        <p:nvPr/>
-      </p:nvGrpSpPr>
-      <p:grpSpPr>
-        <a:xfrm>
-          <a:off x="0" y="0"/>
-          <a:ext cx="0" cy="0"/>
-          <a:chOff x="0" y="0"/>
-          <a:chExt cx="0" cy="0"/>
-        </a:xfrm>
-      </p:grpSpPr>
-      <p:sp>
-        <p:nvSpPr>
           <p:cNvPr id="5" name="Titre 4"/>
           <p:cNvSpPr>
             <a:spLocks noGrp="1"/>
@@ -11713,1211 +9131,13 @@
             <a:fld id="{525A3C56-E491-49B2-93F3-63532DF516BC}" type="slidenum">
               <a:rPr lang="fr-FR" smtClean="0"/>
               <a:pPr/>
-              <a:t>3</a:t>
+              <a:t>2</a:t>
             </a:fld>
             <a:endParaRPr lang="fr-FR"/>
           </a:p>
         </p:txBody>
       </p:sp>
     </p:spTree>
-  </p:cSld>
-  <p:clrMapOvr>
-    <a:masterClrMapping/>
-  </p:clrMapOvr>
-  <p:timing>
-    <p:tnLst>
-      <p:par>
-        <p:cTn id="1" dur="indefinite" restart="never" nodeType="tmRoot"/>
-      </p:par>
-    </p:tnLst>
-  </p:timing>
-</p:sld>
-</file>
-
-<file path=ppt/slides/slide4.xml><?xml version="1.0" encoding="utf-8"?>
-<p:sld xmlns:a="http://schemas.openxmlformats.org/drawingml/2006/main" xmlns:r="http://schemas.openxmlformats.org/officeDocument/2006/relationships" xmlns:p="http://schemas.openxmlformats.org/presentationml/2006/main">
-  <p:cSld>
-    <p:spTree>
-      <p:nvGrpSpPr>
-        <p:cNvPr id="1" name=""/>
-        <p:cNvGrpSpPr/>
-        <p:nvPr/>
-      </p:nvGrpSpPr>
-      <p:grpSpPr>
-        <a:xfrm>
-          <a:off x="0" y="0"/>
-          <a:ext cx="0" cy="0"/>
-          <a:chOff x="0" y="0"/>
-          <a:chExt cx="0" cy="0"/>
-        </a:xfrm>
-      </p:grpSpPr>
-      <p:sp>
-        <p:nvSpPr>
-          <p:cNvPr id="8" name="Titre 7"/>
-          <p:cNvSpPr>
-            <a:spLocks noGrp="1"/>
-          </p:cNvSpPr>
-          <p:nvPr>
-            <p:ph type="title"/>
-          </p:nvPr>
-        </p:nvSpPr>
-        <p:spPr/>
-        <p:txBody>
-          <a:bodyPr/>
-          <a:lstStyle/>
-          <a:p>
-            <a:r>
-              <a:rPr lang="fr-FR" dirty="0" err="1"/>
-              <a:t>Scrum</a:t>
-            </a:r>
-            <a:r>
-              <a:rPr lang="fr-FR" dirty="0"/>
-              <a:t> </a:t>
-            </a:r>
-            <a:r>
-              <a:rPr lang="fr-FR" dirty="0" err="1"/>
-              <a:t>Metal</a:t>
-            </a:r>
-            <a:r>
-              <a:rPr lang="fr-FR" dirty="0"/>
-              <a:t> Jacket</a:t>
-            </a:r>
-          </a:p>
-        </p:txBody>
-      </p:sp>
-      <p:sp>
-        <p:nvSpPr>
-          <p:cNvPr id="3" name="Espace réservé du numéro de diapositive 2"/>
-          <p:cNvSpPr>
-            <a:spLocks noGrp="1"/>
-          </p:cNvSpPr>
-          <p:nvPr>
-            <p:ph type="sldNum" sz="quarter" idx="12"/>
-          </p:nvPr>
-        </p:nvSpPr>
-        <p:spPr/>
-        <p:txBody>
-          <a:bodyPr/>
-          <a:lstStyle/>
-          <a:p>
-            <a:fld id="{525A3C56-E491-49B2-93F3-63532DF516BC}" type="slidenum">
-              <a:rPr lang="fr-FR" smtClean="0"/>
-              <a:pPr/>
-              <a:t>4</a:t>
-            </a:fld>
-            <a:endParaRPr lang="fr-FR"/>
-          </a:p>
-        </p:txBody>
-      </p:sp>
-      <p:sp>
-        <p:nvSpPr>
-          <p:cNvPr id="14" name="Content Placeholder 13"/>
-          <p:cNvSpPr>
-            <a:spLocks noGrp="1"/>
-          </p:cNvSpPr>
-          <p:nvPr>
-            <p:ph sz="quarter" idx="17"/>
-          </p:nvPr>
-        </p:nvSpPr>
-        <p:spPr/>
-        <p:txBody>
-          <a:bodyPr/>
-          <a:lstStyle/>
-          <a:p>
-            <a:r>
-              <a:rPr lang="fr-FR" dirty="0" smtClean="0"/>
-              <a:t>De « </a:t>
-            </a:r>
-            <a:r>
-              <a:rPr lang="fr-FR" dirty="0" err="1" smtClean="0"/>
-              <a:t>Scrum</a:t>
-            </a:r>
-            <a:r>
-              <a:rPr lang="fr-FR" dirty="0" smtClean="0"/>
-              <a:t> </a:t>
-            </a:r>
-            <a:r>
-              <a:rPr lang="fr-FR" dirty="0"/>
-              <a:t>by the </a:t>
-            </a:r>
-            <a:r>
-              <a:rPr lang="fr-FR" dirty="0" smtClean="0"/>
-              <a:t>book » vers « </a:t>
-            </a:r>
-            <a:r>
-              <a:rPr lang="fr-FR" dirty="0" err="1" smtClean="0"/>
-              <a:t>Scrum</a:t>
-            </a:r>
-            <a:r>
-              <a:rPr lang="fr-FR" dirty="0" smtClean="0"/>
-              <a:t> in real life »</a:t>
-            </a:r>
-          </a:p>
-          <a:p>
-            <a:endParaRPr lang="fr-FR" dirty="0"/>
-          </a:p>
-          <a:p>
-            <a:pPr marL="342900" indent="-342900">
-              <a:buFont typeface="Arial" panose="020B0604020202020204" pitchFamily="34" charset="0"/>
-              <a:buChar char="•"/>
-            </a:pPr>
-            <a:r>
-              <a:rPr lang="fr-FR" dirty="0" smtClean="0"/>
-              <a:t>Retours </a:t>
-            </a:r>
-            <a:r>
-              <a:rPr lang="fr-FR" dirty="0"/>
-              <a:t>de </a:t>
-            </a:r>
-            <a:r>
-              <a:rPr lang="fr-FR" dirty="0" err="1"/>
-              <a:t>review</a:t>
-            </a:r>
-            <a:r>
-              <a:rPr lang="fr-FR" dirty="0"/>
-              <a:t> non </a:t>
-            </a:r>
-            <a:r>
-              <a:rPr lang="fr-FR" dirty="0" smtClean="0"/>
-              <a:t>visibles</a:t>
-            </a:r>
-          </a:p>
-          <a:p>
-            <a:pPr marL="606425" lvl="1" indent="-342900"/>
-            <a:r>
-              <a:rPr lang="fr-FR" dirty="0" smtClean="0"/>
-              <a:t>Ajout de nouveaux types de </a:t>
-            </a:r>
-            <a:r>
-              <a:rPr lang="fr-FR" dirty="0" err="1" smtClean="0"/>
-              <a:t>postit</a:t>
-            </a:r>
-            <a:endParaRPr lang="fr-FR" dirty="0" smtClean="0"/>
-          </a:p>
-          <a:p>
-            <a:pPr marL="606425" lvl="1" indent="-342900"/>
-            <a:endParaRPr lang="fr-FR" dirty="0"/>
-          </a:p>
-          <a:p>
-            <a:pPr marL="342900" indent="-342900">
-              <a:buFont typeface="Arial" panose="020B0604020202020204" pitchFamily="34" charset="0"/>
-              <a:buChar char="•"/>
-            </a:pPr>
-            <a:r>
-              <a:rPr lang="fr-FR" dirty="0" err="1"/>
-              <a:t>B</a:t>
-            </a:r>
-            <a:r>
-              <a:rPr lang="fr-FR" dirty="0" err="1" smtClean="0"/>
-              <a:t>urn</a:t>
-            </a:r>
-            <a:r>
-              <a:rPr lang="fr-FR" dirty="0" smtClean="0"/>
-              <a:t> down jamais achevés</a:t>
-            </a:r>
-          </a:p>
-          <a:p>
-            <a:pPr marL="606425" lvl="1" indent="-342900"/>
-            <a:r>
-              <a:rPr lang="fr-FR" dirty="0" err="1" smtClean="0"/>
-              <a:t>Burn</a:t>
-            </a:r>
-            <a:r>
-              <a:rPr lang="fr-FR" dirty="0" smtClean="0"/>
-              <a:t> </a:t>
-            </a:r>
-            <a:r>
-              <a:rPr lang="fr-FR" dirty="0" smtClean="0"/>
-              <a:t>up : affiche le réalisé</a:t>
-            </a:r>
-            <a:endParaRPr lang="fr-FR" dirty="0" smtClean="0"/>
-          </a:p>
-          <a:p>
-            <a:pPr marL="606425" lvl="1" indent="-342900"/>
-            <a:endParaRPr lang="fr-FR" dirty="0"/>
-          </a:p>
-          <a:p>
-            <a:pPr marL="342900" indent="-342900">
-              <a:buFont typeface="Arial" panose="020B0604020202020204" pitchFamily="34" charset="0"/>
-              <a:buChar char="•"/>
-            </a:pPr>
-            <a:r>
-              <a:rPr lang="fr-FR" dirty="0" smtClean="0"/>
-              <a:t>Stories trop grosses</a:t>
-            </a:r>
-          </a:p>
-          <a:p>
-            <a:pPr marL="606425" lvl="1" indent="-342900"/>
-            <a:r>
-              <a:rPr lang="fr-FR" dirty="0" smtClean="0"/>
-              <a:t>Redécoupage en cours de sprint</a:t>
-            </a:r>
-          </a:p>
-          <a:p>
-            <a:pPr marL="606425" lvl="1" indent="-342900"/>
-            <a:endParaRPr lang="fr-FR" dirty="0"/>
-          </a:p>
-          <a:p>
-            <a:pPr marL="342900" indent="-342900">
-              <a:buFont typeface="Arial" panose="020B0604020202020204" pitchFamily="34" charset="0"/>
-              <a:buChar char="•"/>
-            </a:pPr>
-            <a:r>
-              <a:rPr lang="fr-FR" dirty="0" smtClean="0"/>
-              <a:t>Planning trop long</a:t>
-            </a:r>
-          </a:p>
-          <a:p>
-            <a:pPr marL="606425" lvl="1" indent="-342900"/>
-            <a:r>
-              <a:rPr lang="fr-FR" dirty="0" smtClean="0"/>
-              <a:t>Estimation à la </a:t>
-            </a:r>
-            <a:r>
-              <a:rPr lang="fr-FR" dirty="0" smtClean="0"/>
-              <a:t>volée et priorisation des tâches</a:t>
-            </a:r>
-            <a:endParaRPr lang="fr-FR" dirty="0"/>
-          </a:p>
-        </p:txBody>
-      </p:sp>
-      <p:pic>
-        <p:nvPicPr>
-          <p:cNvPr id="6" name="Picture 5"/>
-          <p:cNvPicPr>
-            <a:picLocks noChangeAspect="1"/>
-          </p:cNvPicPr>
-          <p:nvPr/>
-        </p:nvPicPr>
-        <p:blipFill>
-          <a:blip r:embed="rId3" cstate="print">
-            <a:extLst>
-              <a:ext uri="{28A0092B-C50C-407E-A947-70E740481C1C}">
-                <a14:useLocalDpi xmlns:a14="http://schemas.microsoft.com/office/drawing/2010/main" xmlns="" val="0"/>
-              </a:ext>
-            </a:extLst>
-          </a:blip>
-          <a:stretch>
-            <a:fillRect/>
-          </a:stretch>
-        </p:blipFill>
-        <p:spPr>
-          <a:xfrm>
-            <a:off x="6628334" y="1398808"/>
-            <a:ext cx="2515666" cy="733483"/>
-          </a:xfrm>
-          <a:prstGeom prst="rect">
-            <a:avLst/>
-          </a:prstGeom>
-        </p:spPr>
-      </p:pic>
-      <p:pic>
-        <p:nvPicPr>
-          <p:cNvPr id="1034" name="Picture 10" descr="Logo Xebia Certification "/>
-          <p:cNvPicPr>
-            <a:picLocks noChangeAspect="1" noChangeArrowheads="1"/>
-          </p:cNvPicPr>
-          <p:nvPr/>
-        </p:nvPicPr>
-        <p:blipFill>
-          <a:blip r:embed="rId4" cstate="print">
-            <a:extLst>
-              <a:ext uri="{28A0092B-C50C-407E-A947-70E740481C1C}">
-                <a14:useLocalDpi xmlns:a14="http://schemas.microsoft.com/office/drawing/2010/main" xmlns="" val="0"/>
-              </a:ext>
-            </a:extLst>
-          </a:blip>
-          <a:srcRect/>
-          <a:stretch>
-            <a:fillRect/>
-          </a:stretch>
-        </p:blipFill>
-        <p:spPr bwMode="auto">
-          <a:xfrm>
-            <a:off x="6902537" y="2204584"/>
-            <a:ext cx="1967259" cy="648352"/>
-          </a:xfrm>
-          <a:prstGeom prst="rect">
-            <a:avLst/>
-          </a:prstGeom>
-          <a:noFill/>
-          <a:extLst>
-            <a:ext uri="{909E8E84-426E-40DD-AFC4-6F175D3DCCD1}">
-              <a14:hiddenFill xmlns:a14="http://schemas.microsoft.com/office/drawing/2010/main" xmlns="">
-                <a:solidFill>
-                  <a:srgbClr val="FFFFFF"/>
-                </a:solidFill>
-              </a14:hiddenFill>
-            </a:ext>
-          </a:extLst>
-        </p:spPr>
-      </p:pic>
-      <p:pic>
-        <p:nvPicPr>
-          <p:cNvPr id="1036" name="Picture 12" descr="http://www.infoq.com/resource/articles/agile-kanban-boards/en/resources/Fig1_task-board.jpg"/>
-          <p:cNvPicPr>
-            <a:picLocks noChangeAspect="1" noChangeArrowheads="1"/>
-          </p:cNvPicPr>
-          <p:nvPr/>
-        </p:nvPicPr>
-        <p:blipFill>
-          <a:blip r:embed="rId5" cstate="print">
-            <a:extLst>
-              <a:ext uri="{28A0092B-C50C-407E-A947-70E740481C1C}">
-                <a14:useLocalDpi xmlns:a14="http://schemas.microsoft.com/office/drawing/2010/main" xmlns="" val="0"/>
-              </a:ext>
-            </a:extLst>
-          </a:blip>
-          <a:srcRect/>
-          <a:stretch>
-            <a:fillRect/>
-          </a:stretch>
-        </p:blipFill>
-        <p:spPr bwMode="auto">
-          <a:xfrm>
-            <a:off x="5384707" y="3140968"/>
-            <a:ext cx="3759293" cy="2428503"/>
-          </a:xfrm>
-          <a:prstGeom prst="rect">
-            <a:avLst/>
-          </a:prstGeom>
-          <a:noFill/>
-          <a:extLst>
-            <a:ext uri="{909E8E84-426E-40DD-AFC4-6F175D3DCCD1}">
-              <a14:hiddenFill xmlns:a14="http://schemas.microsoft.com/office/drawing/2010/main" xmlns="">
-                <a:solidFill>
-                  <a:srgbClr val="FFFFFF"/>
-                </a:solidFill>
-              </a14:hiddenFill>
-            </a:ext>
-          </a:extLst>
-        </p:spPr>
-      </p:pic>
-    </p:spTree>
-  </p:cSld>
-  <p:clrMapOvr>
-    <a:masterClrMapping/>
-  </p:clrMapOvr>
-  <p:timing>
-    <p:tnLst>
-      <p:par>
-        <p:cTn id="1" dur="indefinite" restart="never" nodeType="tmRoot"/>
-      </p:par>
-    </p:tnLst>
-  </p:timing>
-</p:sld>
-</file>
-
-<file path=ppt/slides/slide5.xml><?xml version="1.0" encoding="utf-8"?>
-<p:sld xmlns:a="http://schemas.openxmlformats.org/drawingml/2006/main" xmlns:r="http://schemas.openxmlformats.org/officeDocument/2006/relationships" xmlns:p="http://schemas.openxmlformats.org/presentationml/2006/main">
-  <p:cSld>
-    <p:spTree>
-      <p:nvGrpSpPr>
-        <p:cNvPr id="1" name=""/>
-        <p:cNvGrpSpPr/>
-        <p:nvPr/>
-      </p:nvGrpSpPr>
-      <p:grpSpPr>
-        <a:xfrm>
-          <a:off x="0" y="0"/>
-          <a:ext cx="0" cy="0"/>
-          <a:chOff x="0" y="0"/>
-          <a:chExt cx="0" cy="0"/>
-        </a:xfrm>
-      </p:grpSpPr>
-      <p:sp>
-        <p:nvSpPr>
-          <p:cNvPr id="2" name="Title 1"/>
-          <p:cNvSpPr>
-            <a:spLocks noGrp="1"/>
-          </p:cNvSpPr>
-          <p:nvPr>
-            <p:ph type="title"/>
-          </p:nvPr>
-        </p:nvSpPr>
-        <p:spPr/>
-        <p:txBody>
-          <a:bodyPr/>
-          <a:lstStyle/>
-          <a:p>
-            <a:r>
-              <a:rPr lang="fr-FR" dirty="0" err="1"/>
-              <a:t>Scrum</a:t>
-            </a:r>
-            <a:r>
-              <a:rPr lang="fr-FR" dirty="0"/>
-              <a:t> </a:t>
-            </a:r>
-            <a:r>
-              <a:rPr lang="fr-FR" dirty="0" err="1"/>
-              <a:t>Metal</a:t>
-            </a:r>
-            <a:r>
-              <a:rPr lang="fr-FR" dirty="0"/>
-              <a:t> Jacket</a:t>
-            </a:r>
-          </a:p>
-        </p:txBody>
-      </p:sp>
-      <p:sp>
-        <p:nvSpPr>
-          <p:cNvPr id="3" name="Slide Number Placeholder 2"/>
-          <p:cNvSpPr>
-            <a:spLocks noGrp="1"/>
-          </p:cNvSpPr>
-          <p:nvPr>
-            <p:ph type="sldNum" sz="quarter" idx="12"/>
-          </p:nvPr>
-        </p:nvSpPr>
-        <p:spPr/>
-        <p:txBody>
-          <a:bodyPr/>
-          <a:lstStyle/>
-          <a:p>
-            <a:fld id="{525A3C56-E491-49B2-93F3-63532DF516BC}" type="slidenum">
-              <a:rPr lang="fr-FR" smtClean="0"/>
-              <a:pPr/>
-              <a:t>5</a:t>
-            </a:fld>
-            <a:endParaRPr lang="fr-FR"/>
-          </a:p>
-        </p:txBody>
-      </p:sp>
-      <p:sp>
-        <p:nvSpPr>
-          <p:cNvPr id="4" name="Content Placeholder 3"/>
-          <p:cNvSpPr>
-            <a:spLocks noGrp="1"/>
-          </p:cNvSpPr>
-          <p:nvPr>
-            <p:ph sz="quarter" idx="17"/>
-          </p:nvPr>
-        </p:nvSpPr>
-        <p:spPr/>
-        <p:txBody>
-          <a:bodyPr/>
-          <a:lstStyle/>
-          <a:p>
-            <a:pPr marL="342900" indent="-342900">
-              <a:buFont typeface="Arial" panose="020B0604020202020204" pitchFamily="34" charset="0"/>
-              <a:buChar char="•"/>
-            </a:pPr>
-            <a:r>
-              <a:rPr lang="fr-FR" dirty="0"/>
-              <a:t>Trop de </a:t>
-            </a:r>
-            <a:r>
-              <a:rPr lang="fr-FR" dirty="0" err="1" smtClean="0"/>
-              <a:t>review</a:t>
-            </a:r>
-            <a:r>
-              <a:rPr lang="fr-FR" dirty="0" smtClean="0"/>
-              <a:t>, </a:t>
-            </a:r>
-            <a:r>
-              <a:rPr lang="fr-FR" dirty="0" err="1" smtClean="0"/>
-              <a:t>rework</a:t>
-            </a:r>
-            <a:r>
-              <a:rPr lang="fr-FR" dirty="0" smtClean="0"/>
-              <a:t> </a:t>
-            </a:r>
-            <a:r>
-              <a:rPr lang="fr-FR" dirty="0" smtClean="0"/>
-              <a:t>après validation du PO</a:t>
-            </a:r>
-          </a:p>
-          <a:p>
-            <a:pPr marL="606425" lvl="1" indent="-342900"/>
-            <a:r>
-              <a:rPr lang="fr-FR" dirty="0" smtClean="0"/>
-              <a:t>Développement en binôme</a:t>
-            </a:r>
-          </a:p>
-          <a:p>
-            <a:pPr marL="342900" indent="-342900">
-              <a:buFont typeface="Arial" panose="020B0604020202020204" pitchFamily="34" charset="0"/>
-              <a:buChar char="•"/>
-            </a:pPr>
-            <a:endParaRPr lang="fr-FR" dirty="0"/>
-          </a:p>
-          <a:p>
-            <a:pPr marL="342900" indent="-342900">
-              <a:buFont typeface="Arial" panose="020B0604020202020204" pitchFamily="34" charset="0"/>
-              <a:buChar char="•"/>
-            </a:pPr>
-            <a:r>
-              <a:rPr lang="fr-FR" dirty="0" smtClean="0"/>
-              <a:t>Dette </a:t>
-            </a:r>
-            <a:r>
-              <a:rPr lang="fr-FR" dirty="0" smtClean="0"/>
-              <a:t>technique et </a:t>
-            </a:r>
-            <a:r>
-              <a:rPr lang="fr-FR" dirty="0" err="1" smtClean="0"/>
-              <a:t>refactoring</a:t>
-            </a:r>
-            <a:endParaRPr lang="fr-FR" dirty="0" smtClean="0"/>
-          </a:p>
-          <a:p>
-            <a:pPr marL="606425" lvl="1" indent="-342900"/>
-            <a:r>
-              <a:rPr lang="fr-FR" dirty="0" smtClean="0"/>
-              <a:t>Stories </a:t>
-            </a:r>
-            <a:r>
-              <a:rPr lang="fr-FR" dirty="0" smtClean="0"/>
-              <a:t>techniques du sprint suivant</a:t>
-            </a:r>
-            <a:endParaRPr lang="fr-FR" dirty="0" smtClean="0"/>
-          </a:p>
-          <a:p>
-            <a:pPr marL="342900" indent="-342900">
-              <a:buFont typeface="Arial" panose="020B0604020202020204" pitchFamily="34" charset="0"/>
-              <a:buChar char="•"/>
-            </a:pPr>
-            <a:endParaRPr lang="fr-FR" dirty="0"/>
-          </a:p>
-          <a:p>
-            <a:pPr marL="342900" indent="-342900">
-              <a:buFont typeface="Arial" panose="020B0604020202020204" pitchFamily="34" charset="0"/>
-              <a:buChar char="•"/>
-            </a:pPr>
-            <a:r>
-              <a:rPr lang="fr-FR" dirty="0" smtClean="0"/>
-              <a:t>Problèmes de communication et conflits</a:t>
-            </a:r>
-          </a:p>
-          <a:p>
-            <a:pPr marL="606425" lvl="1" indent="-342900"/>
-            <a:r>
-              <a:rPr lang="fr-FR" dirty="0" smtClean="0"/>
-              <a:t>Démo</a:t>
-            </a:r>
-            <a:r>
-              <a:rPr lang="fr-FR" dirty="0"/>
-              <a:t> </a:t>
-            </a:r>
-            <a:r>
-              <a:rPr lang="fr-FR" dirty="0" smtClean="0"/>
-              <a:t>et validation en </a:t>
-            </a:r>
-            <a:r>
-              <a:rPr lang="fr-FR" dirty="0" smtClean="0"/>
-              <a:t>commun des </a:t>
-            </a:r>
-          </a:p>
-          <a:p>
-            <a:pPr marL="606425" lvl="1" indent="-342900">
-              <a:buNone/>
-            </a:pPr>
-            <a:r>
-              <a:rPr lang="fr-FR" dirty="0" smtClean="0"/>
-              <a:t>	</a:t>
-            </a:r>
-            <a:r>
-              <a:rPr lang="fr-FR" dirty="0" smtClean="0"/>
-              <a:t>chemins critiques</a:t>
-            </a:r>
-            <a:endParaRPr lang="fr-FR" dirty="0" smtClean="0"/>
-          </a:p>
-          <a:p>
-            <a:endParaRPr lang="fr-FR" dirty="0"/>
-          </a:p>
-          <a:p>
-            <a:r>
-              <a:rPr lang="fr-FR" dirty="0" smtClean="0"/>
-              <a:t>Au </a:t>
-            </a:r>
-            <a:r>
-              <a:rPr lang="fr-FR" dirty="0" smtClean="0"/>
-              <a:t>final, amélioration de la qualité et de la vélocité. Livraisons régulières.</a:t>
-            </a:r>
-          </a:p>
-          <a:p>
-            <a:r>
-              <a:rPr lang="fr-FR" dirty="0" smtClean="0"/>
-              <a:t>Satisfaction du client.</a:t>
-            </a:r>
-            <a:endParaRPr lang="fr-FR" dirty="0"/>
-          </a:p>
-        </p:txBody>
-      </p:sp>
-      <p:pic>
-        <p:nvPicPr>
-          <p:cNvPr id="2050" name="Picture 2" descr="http://www.touilleur-express.fr/wp-content/dashboard_viet_nam_scrum_kanban.jpg"/>
-          <p:cNvPicPr>
-            <a:picLocks noChangeAspect="1" noChangeArrowheads="1"/>
-          </p:cNvPicPr>
-          <p:nvPr/>
-        </p:nvPicPr>
-        <p:blipFill>
-          <a:blip r:embed="rId3" cstate="print">
-            <a:extLst>
-              <a:ext uri="{28A0092B-C50C-407E-A947-70E740481C1C}">
-                <a14:useLocalDpi xmlns:a14="http://schemas.microsoft.com/office/drawing/2010/main" xmlns="" val="0"/>
-              </a:ext>
-            </a:extLst>
-          </a:blip>
-          <a:srcRect/>
-          <a:stretch>
-            <a:fillRect/>
-          </a:stretch>
-        </p:blipFill>
-        <p:spPr bwMode="auto">
-          <a:xfrm>
-            <a:off x="5476032" y="1988840"/>
-            <a:ext cx="3667968" cy="2736304"/>
-          </a:xfrm>
-          <a:prstGeom prst="rect">
-            <a:avLst/>
-          </a:prstGeom>
-          <a:noFill/>
-          <a:extLst>
-            <a:ext uri="{909E8E84-426E-40DD-AFC4-6F175D3DCCD1}">
-              <a14:hiddenFill xmlns:a14="http://schemas.microsoft.com/office/drawing/2010/main" xmlns="">
-                <a:solidFill>
-                  <a:srgbClr val="FFFFFF"/>
-                </a:solidFill>
-              </a14:hiddenFill>
-            </a:ext>
-          </a:extLst>
-        </p:spPr>
-      </p:pic>
-    </p:spTree>
-    <p:extLst>
-      <p:ext uri="{BB962C8B-B14F-4D97-AF65-F5344CB8AC3E}">
-        <p14:creationId xmlns:p14="http://schemas.microsoft.com/office/powerpoint/2010/main" xmlns="" val="3485292760"/>
-      </p:ext>
-    </p:extLst>
-  </p:cSld>
-  <p:clrMapOvr>
-    <a:masterClrMapping/>
-  </p:clrMapOvr>
-  <p:timing>
-    <p:tnLst>
-      <p:par>
-        <p:cTn id="1" dur="indefinite" restart="never" nodeType="tmRoot"/>
-      </p:par>
-    </p:tnLst>
-  </p:timing>
-</p:sld>
-</file>
-
-<file path=ppt/slides/slide6.xml><?xml version="1.0" encoding="utf-8"?>
-<p:sld xmlns:a="http://schemas.openxmlformats.org/drawingml/2006/main" xmlns:r="http://schemas.openxmlformats.org/officeDocument/2006/relationships" xmlns:p="http://schemas.openxmlformats.org/presentationml/2006/main">
-  <p:cSld>
-    <p:spTree>
-      <p:nvGrpSpPr>
-        <p:cNvPr id="1" name=""/>
-        <p:cNvGrpSpPr/>
-        <p:nvPr/>
-      </p:nvGrpSpPr>
-      <p:grpSpPr>
-        <a:xfrm>
-          <a:off x="0" y="0"/>
-          <a:ext cx="0" cy="0"/>
-          <a:chOff x="0" y="0"/>
-          <a:chExt cx="0" cy="0"/>
-        </a:xfrm>
-      </p:grpSpPr>
-      <p:sp>
-        <p:nvSpPr>
-          <p:cNvPr id="2" name="Title 1"/>
-          <p:cNvSpPr>
-            <a:spLocks noGrp="1"/>
-          </p:cNvSpPr>
-          <p:nvPr>
-            <p:ph type="title"/>
-          </p:nvPr>
-        </p:nvSpPr>
-        <p:spPr/>
-        <p:txBody>
-          <a:bodyPr/>
-          <a:lstStyle/>
-          <a:p>
-            <a:r>
-              <a:rPr lang="fr-FR" dirty="0"/>
-              <a:t>D'une bonne équipe à une équipe exceptionnelle</a:t>
-            </a:r>
-          </a:p>
-        </p:txBody>
-      </p:sp>
-      <p:sp>
-        <p:nvSpPr>
-          <p:cNvPr id="3" name="Slide Number Placeholder 2"/>
-          <p:cNvSpPr>
-            <a:spLocks noGrp="1"/>
-          </p:cNvSpPr>
-          <p:nvPr>
-            <p:ph type="sldNum" sz="quarter" idx="12"/>
-          </p:nvPr>
-        </p:nvSpPr>
-        <p:spPr/>
-        <p:txBody>
-          <a:bodyPr/>
-          <a:lstStyle/>
-          <a:p>
-            <a:fld id="{525A3C56-E491-49B2-93F3-63532DF516BC}" type="slidenum">
-              <a:rPr lang="fr-FR" smtClean="0"/>
-              <a:pPr/>
-              <a:t>6</a:t>
-            </a:fld>
-            <a:endParaRPr lang="fr-FR"/>
-          </a:p>
-        </p:txBody>
-      </p:sp>
-      <p:sp>
-        <p:nvSpPr>
-          <p:cNvPr id="4" name="Content Placeholder 3"/>
-          <p:cNvSpPr>
-            <a:spLocks noGrp="1"/>
-          </p:cNvSpPr>
-          <p:nvPr>
-            <p:ph sz="quarter" idx="17"/>
-          </p:nvPr>
-        </p:nvSpPr>
-        <p:spPr/>
-        <p:txBody>
-          <a:bodyPr/>
-          <a:lstStyle/>
-          <a:p>
-            <a:r>
-              <a:rPr lang="fr-FR" dirty="0"/>
-              <a:t>C</a:t>
-            </a:r>
-            <a:r>
-              <a:rPr lang="fr-FR" dirty="0" smtClean="0"/>
-              <a:t>omment animer </a:t>
-            </a:r>
-            <a:r>
-              <a:rPr lang="fr-FR" dirty="0"/>
-              <a:t>un centre de </a:t>
-            </a:r>
-            <a:r>
-              <a:rPr lang="fr-FR" dirty="0" smtClean="0"/>
-              <a:t>développement ?</a:t>
-            </a:r>
-          </a:p>
-          <a:p>
-            <a:endParaRPr lang="fr-FR" dirty="0"/>
-          </a:p>
-          <a:p>
-            <a:pPr marL="342900" indent="-342900">
-              <a:buFont typeface="Arial" panose="020B0604020202020204" pitchFamily="34" charset="0"/>
-              <a:buChar char="•"/>
-            </a:pPr>
-            <a:r>
-              <a:rPr lang="fr-FR" dirty="0" smtClean="0"/>
-              <a:t>La ZONE</a:t>
-            </a:r>
-          </a:p>
-          <a:p>
-            <a:pPr marL="606425" lvl="1" indent="-342900"/>
-            <a:r>
-              <a:rPr lang="fr-FR" dirty="0" smtClean="0"/>
-              <a:t>Empêcher les </a:t>
-            </a:r>
-            <a:r>
-              <a:rPr lang="fr-FR" dirty="0" smtClean="0"/>
-              <a:t>distractions et les sollicitations des développeurs pendant 4h en bloquant l’accès au bureau.</a:t>
-            </a:r>
-            <a:endParaRPr lang="fr-FR" dirty="0" smtClean="0"/>
-          </a:p>
-          <a:p>
-            <a:pPr marL="342900" indent="-342900">
-              <a:buFont typeface="Arial" panose="020B0604020202020204" pitchFamily="34" charset="0"/>
-              <a:buChar char="•"/>
-            </a:pPr>
-            <a:r>
-              <a:rPr lang="fr-FR" dirty="0" smtClean="0"/>
-              <a:t>12-14 d’informations</a:t>
-            </a:r>
-          </a:p>
-          <a:p>
-            <a:pPr marL="606425" lvl="1" indent="-342900"/>
-            <a:r>
-              <a:rPr lang="fr-FR" dirty="0" smtClean="0"/>
-              <a:t>Présentations sur des sujets variées, partage des connaissance. Déjà fait chez CGI : </a:t>
-            </a:r>
-            <a:r>
-              <a:rPr lang="fr-FR" dirty="0" err="1" smtClean="0"/>
-              <a:t>Knowledge</a:t>
-            </a:r>
-            <a:r>
-              <a:rPr lang="fr-FR" dirty="0" smtClean="0"/>
-              <a:t> Sharing.</a:t>
-            </a:r>
-            <a:endParaRPr lang="fr-FR" dirty="0" smtClean="0"/>
-          </a:p>
-          <a:p>
-            <a:pPr marL="342900" indent="-342900">
-              <a:buFont typeface="Arial" panose="020B0604020202020204" pitchFamily="34" charset="0"/>
-              <a:buChar char="•"/>
-            </a:pPr>
-            <a:r>
-              <a:rPr lang="fr-FR" dirty="0" smtClean="0"/>
-              <a:t>Reconnaissance</a:t>
-            </a:r>
-            <a:endParaRPr lang="fr-FR" dirty="0" smtClean="0"/>
-          </a:p>
-          <a:p>
-            <a:pPr marL="606425" lvl="1" indent="-342900"/>
-            <a:r>
-              <a:rPr lang="fr-FR" dirty="0" smtClean="0"/>
-              <a:t>Cadeaux </a:t>
-            </a:r>
-            <a:r>
-              <a:rPr lang="fr-FR" dirty="0" smtClean="0"/>
-              <a:t>libres, </a:t>
-            </a:r>
-            <a:r>
-              <a:rPr lang="fr-FR" dirty="0" err="1" smtClean="0"/>
-              <a:t>Diamond</a:t>
-            </a:r>
-            <a:r>
-              <a:rPr lang="fr-FR" dirty="0" smtClean="0"/>
-              <a:t> </a:t>
-            </a:r>
-            <a:r>
-              <a:rPr lang="fr-FR" dirty="0" err="1" smtClean="0"/>
-              <a:t>awards</a:t>
-            </a:r>
-            <a:r>
-              <a:rPr lang="fr-FR" dirty="0" smtClean="0"/>
-              <a:t>, badges </a:t>
-            </a:r>
-            <a:r>
-              <a:rPr lang="fr-FR" dirty="0" err="1" smtClean="0"/>
-              <a:t>MySite</a:t>
-            </a:r>
-            <a:endParaRPr lang="fr-FR" dirty="0" smtClean="0"/>
-          </a:p>
-          <a:p>
-            <a:pPr marL="342900" indent="-342900">
-              <a:buFont typeface="Arial" panose="020B0604020202020204" pitchFamily="34" charset="0"/>
-              <a:buChar char="•"/>
-            </a:pPr>
-            <a:r>
-              <a:rPr lang="fr-FR" dirty="0" smtClean="0"/>
-              <a:t>Report Robots</a:t>
-            </a:r>
-          </a:p>
-          <a:p>
-            <a:pPr marL="606425" lvl="1" indent="-342900"/>
-            <a:r>
-              <a:rPr lang="fr-FR" dirty="0" err="1" smtClean="0"/>
-              <a:t>OpenData</a:t>
-            </a:r>
-            <a:r>
-              <a:rPr lang="fr-FR" dirty="0" smtClean="0"/>
-              <a:t> sur les chiffres de l’entreprise</a:t>
-            </a:r>
-          </a:p>
-          <a:p>
-            <a:endParaRPr lang="fr-FR" dirty="0"/>
-          </a:p>
-        </p:txBody>
-      </p:sp>
-      <p:pic>
-        <p:nvPicPr>
-          <p:cNvPr id="8" name="Picture 7"/>
-          <p:cNvPicPr>
-            <a:picLocks noChangeAspect="1"/>
-          </p:cNvPicPr>
-          <p:nvPr/>
-        </p:nvPicPr>
-        <p:blipFill>
-          <a:blip r:embed="rId3" cstate="print">
-            <a:extLst>
-              <a:ext uri="{28A0092B-C50C-407E-A947-70E740481C1C}">
-                <a14:useLocalDpi xmlns:a14="http://schemas.microsoft.com/office/drawing/2010/main" xmlns="" val="0"/>
-              </a:ext>
-            </a:extLst>
-          </a:blip>
-          <a:stretch>
-            <a:fillRect/>
-          </a:stretch>
-        </p:blipFill>
-        <p:spPr>
-          <a:xfrm>
-            <a:off x="3820244" y="5667375"/>
-            <a:ext cx="3848100" cy="1190625"/>
-          </a:xfrm>
-          <a:prstGeom prst="rect">
-            <a:avLst/>
-          </a:prstGeom>
-        </p:spPr>
-      </p:pic>
-    </p:spTree>
-    <p:extLst>
-      <p:ext uri="{BB962C8B-B14F-4D97-AF65-F5344CB8AC3E}">
-        <p14:creationId xmlns:p14="http://schemas.microsoft.com/office/powerpoint/2010/main" xmlns="" val="2611111070"/>
-      </p:ext>
-    </p:extLst>
-  </p:cSld>
-  <p:clrMapOvr>
-    <a:masterClrMapping/>
-  </p:clrMapOvr>
-  <p:timing>
-    <p:tnLst>
-      <p:par>
-        <p:cTn id="1" dur="indefinite" restart="never" nodeType="tmRoot"/>
-      </p:par>
-    </p:tnLst>
-  </p:timing>
-</p:sld>
-</file>
-
-<file path=ppt/slides/slide7.xml><?xml version="1.0" encoding="utf-8"?>
-<p:sld xmlns:a="http://schemas.openxmlformats.org/drawingml/2006/main" xmlns:r="http://schemas.openxmlformats.org/officeDocument/2006/relationships" xmlns:p="http://schemas.openxmlformats.org/presentationml/2006/main">
-  <p:cSld>
-    <p:spTree>
-      <p:nvGrpSpPr>
-        <p:cNvPr id="1" name=""/>
-        <p:cNvGrpSpPr/>
-        <p:nvPr/>
-      </p:nvGrpSpPr>
-      <p:grpSpPr>
-        <a:xfrm>
-          <a:off x="0" y="0"/>
-          <a:ext cx="0" cy="0"/>
-          <a:chOff x="0" y="0"/>
-          <a:chExt cx="0" cy="0"/>
-        </a:xfrm>
-      </p:grpSpPr>
-      <p:sp>
-        <p:nvSpPr>
-          <p:cNvPr id="2" name="Title 1"/>
-          <p:cNvSpPr>
-            <a:spLocks noGrp="1"/>
-          </p:cNvSpPr>
-          <p:nvPr>
-            <p:ph type="title"/>
-          </p:nvPr>
-        </p:nvSpPr>
-        <p:spPr/>
-        <p:txBody>
-          <a:bodyPr/>
-          <a:lstStyle/>
-          <a:p>
-            <a:r>
-              <a:rPr lang="fr-FR" dirty="0"/>
-              <a:t>D'une bonne équipe à une équipe exceptionnelle</a:t>
-            </a:r>
-          </a:p>
-        </p:txBody>
-      </p:sp>
-      <p:sp>
-        <p:nvSpPr>
-          <p:cNvPr id="3" name="Slide Number Placeholder 2"/>
-          <p:cNvSpPr>
-            <a:spLocks noGrp="1"/>
-          </p:cNvSpPr>
-          <p:nvPr>
-            <p:ph type="sldNum" sz="quarter" idx="12"/>
-          </p:nvPr>
-        </p:nvSpPr>
-        <p:spPr/>
-        <p:txBody>
-          <a:bodyPr/>
-          <a:lstStyle/>
-          <a:p>
-            <a:fld id="{525A3C56-E491-49B2-93F3-63532DF516BC}" type="slidenum">
-              <a:rPr lang="fr-FR" smtClean="0"/>
-              <a:pPr/>
-              <a:t>7</a:t>
-            </a:fld>
-            <a:endParaRPr lang="fr-FR"/>
-          </a:p>
-        </p:txBody>
-      </p:sp>
-      <p:sp>
-        <p:nvSpPr>
-          <p:cNvPr id="4" name="Content Placeholder 3"/>
-          <p:cNvSpPr>
-            <a:spLocks noGrp="1"/>
-          </p:cNvSpPr>
-          <p:nvPr>
-            <p:ph sz="quarter" idx="17"/>
-          </p:nvPr>
-        </p:nvSpPr>
-        <p:spPr/>
-        <p:txBody>
-          <a:bodyPr/>
-          <a:lstStyle/>
-          <a:p>
-            <a:pPr marL="342900" indent="-342900">
-              <a:buFont typeface="Arial" panose="020B0604020202020204" pitchFamily="34" charset="0"/>
-              <a:buChar char="•"/>
-            </a:pPr>
-            <a:r>
-              <a:rPr lang="fr-FR" dirty="0" smtClean="0"/>
-              <a:t>Etre utilisateurs de nos produits</a:t>
-            </a:r>
-            <a:endParaRPr lang="fr-FR" dirty="0" smtClean="0"/>
-          </a:p>
-          <a:p>
-            <a:pPr marL="606425" lvl="1" indent="-342900"/>
-            <a:r>
-              <a:rPr lang="fr-FR" dirty="0" err="1"/>
-              <a:t>Eat</a:t>
-            </a:r>
-            <a:r>
-              <a:rPr lang="fr-FR" dirty="0"/>
-              <a:t> </a:t>
-            </a:r>
-            <a:r>
-              <a:rPr lang="fr-FR" dirty="0" err="1"/>
-              <a:t>your</a:t>
-            </a:r>
-            <a:r>
-              <a:rPr lang="fr-FR" dirty="0"/>
-              <a:t> </a:t>
-            </a:r>
-            <a:r>
-              <a:rPr lang="fr-FR" dirty="0" err="1"/>
-              <a:t>own</a:t>
-            </a:r>
-            <a:r>
-              <a:rPr lang="fr-FR" dirty="0"/>
-              <a:t> dog </a:t>
-            </a:r>
-            <a:r>
-              <a:rPr lang="fr-FR" dirty="0" err="1" smtClean="0"/>
-              <a:t>food</a:t>
-            </a:r>
-            <a:endParaRPr lang="fr-FR" dirty="0" smtClean="0"/>
-          </a:p>
-          <a:p>
-            <a:pPr marL="342900" indent="-342900">
-              <a:buFont typeface="Arial" panose="020B0604020202020204" pitchFamily="34" charset="0"/>
-              <a:buChar char="•"/>
-            </a:pPr>
-            <a:r>
-              <a:rPr lang="fr-FR" dirty="0" err="1" smtClean="0"/>
-              <a:t>Special</a:t>
-            </a:r>
-            <a:r>
-              <a:rPr lang="fr-FR" dirty="0" smtClean="0"/>
-              <a:t> Day</a:t>
-            </a:r>
-          </a:p>
-          <a:p>
-            <a:pPr marL="606425" lvl="1" indent="-342900"/>
-            <a:r>
-              <a:rPr lang="fr-FR" dirty="0" smtClean="0"/>
-              <a:t>Toute l’équipe </a:t>
-            </a:r>
-            <a:r>
-              <a:rPr lang="fr-FR" dirty="0" smtClean="0"/>
-              <a:t>travaille sur </a:t>
-            </a:r>
-            <a:r>
-              <a:rPr lang="fr-FR" dirty="0" smtClean="0"/>
-              <a:t>la même </a:t>
-            </a:r>
-            <a:r>
-              <a:rPr lang="fr-FR" dirty="0" smtClean="0"/>
-              <a:t>tâche pendant un jour (correction de bugs, optimisation pour les perf, </a:t>
-            </a:r>
-            <a:r>
-              <a:rPr lang="fr-FR" dirty="0" err="1" smtClean="0"/>
-              <a:t>refactoring</a:t>
-            </a:r>
-            <a:r>
-              <a:rPr lang="fr-FR" dirty="0" smtClean="0"/>
-              <a:t>)</a:t>
-            </a:r>
-            <a:endParaRPr lang="fr-FR" dirty="0" smtClean="0"/>
-          </a:p>
-          <a:p>
-            <a:pPr marL="342900" indent="-342900">
-              <a:buFont typeface="Arial" panose="020B0604020202020204" pitchFamily="34" charset="0"/>
-              <a:buChar char="•"/>
-            </a:pPr>
-            <a:r>
-              <a:rPr lang="fr-FR" dirty="0" err="1" smtClean="0"/>
-              <a:t>Ship</a:t>
-            </a:r>
-            <a:r>
-              <a:rPr lang="fr-FR" dirty="0" smtClean="0"/>
-              <a:t> </a:t>
-            </a:r>
-            <a:r>
-              <a:rPr lang="fr-FR" dirty="0" err="1" smtClean="0"/>
-              <a:t>it</a:t>
-            </a:r>
-            <a:r>
-              <a:rPr lang="fr-FR" dirty="0" smtClean="0"/>
-              <a:t> </a:t>
-            </a:r>
-            <a:r>
-              <a:rPr lang="fr-FR" dirty="0" err="1" smtClean="0"/>
-              <a:t>days</a:t>
-            </a:r>
-            <a:endParaRPr lang="fr-FR" dirty="0" smtClean="0"/>
-          </a:p>
-          <a:p>
-            <a:pPr marL="606425" lvl="1" indent="-342900"/>
-            <a:r>
-              <a:rPr lang="fr-FR" dirty="0" err="1" smtClean="0"/>
-              <a:t>Brainstorms</a:t>
-            </a:r>
-            <a:r>
-              <a:rPr lang="fr-FR" dirty="0" smtClean="0"/>
-              <a:t> suivi d’une nuit de </a:t>
-            </a:r>
-            <a:r>
-              <a:rPr lang="fr-FR" dirty="0" smtClean="0"/>
-              <a:t>code et présentation du résultat le lendemain.</a:t>
-            </a:r>
-            <a:endParaRPr lang="fr-FR" dirty="0" smtClean="0"/>
-          </a:p>
-          <a:p>
-            <a:pPr marL="342900" indent="-342900">
-              <a:buFont typeface="Arial" panose="020B0604020202020204" pitchFamily="34" charset="0"/>
-              <a:buChar char="•"/>
-            </a:pPr>
-            <a:r>
-              <a:rPr lang="fr-FR" dirty="0" smtClean="0"/>
-              <a:t>20% time</a:t>
-            </a:r>
-          </a:p>
-          <a:p>
-            <a:pPr marL="606425" lvl="1" indent="-342900"/>
-            <a:r>
-              <a:rPr lang="fr-FR" dirty="0" smtClean="0"/>
-              <a:t>Projets perso un jour par </a:t>
-            </a:r>
-            <a:r>
-              <a:rPr lang="fr-FR" dirty="0" smtClean="0"/>
-              <a:t>semaine</a:t>
-            </a:r>
-          </a:p>
-          <a:p>
-            <a:pPr marL="606425" lvl="1" indent="-342900">
-              <a:buNone/>
-            </a:pPr>
-            <a:endParaRPr lang="fr-FR" dirty="0" smtClean="0"/>
-          </a:p>
-          <a:p>
-            <a:pPr marL="342900" indent="-342900"/>
-            <a:r>
-              <a:rPr lang="fr-FR" dirty="0" smtClean="0"/>
-              <a:t>Le secret : RECONNAISSANCE, MOTIVATION et IMPLICATION</a:t>
-            </a:r>
-            <a:endParaRPr lang="fr-FR" dirty="0"/>
-          </a:p>
-        </p:txBody>
-      </p:sp>
-    </p:spTree>
-    <p:extLst>
-      <p:ext uri="{BB962C8B-B14F-4D97-AF65-F5344CB8AC3E}">
-        <p14:creationId xmlns:p14="http://schemas.microsoft.com/office/powerpoint/2010/main" xmlns="" val="3250333942"/>
-      </p:ext>
-    </p:extLst>
   </p:cSld>
   <p:clrMapOvr>
     <a:masterClrMapping/>
